--- a/Iteration_1/iteration_1.pptx
+++ b/Iteration_1/iteration_1.pptx
@@ -2,44 +2,44 @@
 <file path=ppt/presentation.xml><?xml version="1.0" encoding="utf-8"?>
 <p:presentation xmlns:a="http://schemas.openxmlformats.org/drawingml/2006/main" xmlns:r="http://schemas.openxmlformats.org/officeDocument/2006/relationships" xmlns:mc="http://schemas.openxmlformats.org/markup-compatibility/2006" xmlns:mv="urn:schemas-microsoft-com:mac:vml" xmlns:p="http://schemas.openxmlformats.org/presentationml/2006/main" xmlns:c="http://schemas.openxmlformats.org/drawingml/2006/chart" xmlns:dgm="http://schemas.openxmlformats.org/drawingml/2006/diagram" xmlns:o="urn:schemas-microsoft-com:office:office" xmlns:v="urn:schemas-microsoft-com:vml" xmlns:pvml="urn:schemas-microsoft-com:office:powerpoint" xmlns:com="http://schemas.openxmlformats.org/drawingml/2006/compatibility" xmlns:p14="http://schemas.microsoft.com/office/powerpoint/2010/main" xmlns:p15="http://schemas.microsoft.com/office/powerpoint/2012/main" xmlns:ahyp="http://schemas.microsoft.com/office/drawing/2018/hyperlinkcolor" autoCompressPictures="0" embedTrueTypeFonts="1" strictFirstAndLastChars="0" saveSubsetFonts="1">
   <p:sldMasterIdLst>
-    <p:sldMasterId id="2147483676" r:id="rId6"/>
-    <p:sldMasterId id="2147483677" r:id="rId7"/>
+    <p:sldMasterId id="2147483676" r:id="rId5"/>
+    <p:sldMasterId id="2147483677" r:id="rId6"/>
   </p:sldMasterIdLst>
   <p:notesMasterIdLst>
-    <p:notesMasterId r:id="rId8"/>
+    <p:notesMasterId r:id="rId7"/>
   </p:notesMasterIdLst>
   <p:sldIdLst>
-    <p:sldId id="256" r:id="rId9"/>
-    <p:sldId id="257" r:id="rId10"/>
-    <p:sldId id="258" r:id="rId11"/>
-    <p:sldId id="259" r:id="rId12"/>
-    <p:sldId id="260" r:id="rId13"/>
-    <p:sldId id="261" r:id="rId14"/>
-    <p:sldId id="262" r:id="rId15"/>
-    <p:sldId id="263" r:id="rId16"/>
-    <p:sldId id="264" r:id="rId17"/>
-    <p:sldId id="265" r:id="rId18"/>
-    <p:sldId id="266" r:id="rId19"/>
-    <p:sldId id="267" r:id="rId20"/>
-    <p:sldId id="268" r:id="rId21"/>
-    <p:sldId id="269" r:id="rId22"/>
+    <p:sldId id="256" r:id="rId8"/>
+    <p:sldId id="257" r:id="rId9"/>
+    <p:sldId id="258" r:id="rId10"/>
+    <p:sldId id="259" r:id="rId11"/>
+    <p:sldId id="260" r:id="rId12"/>
+    <p:sldId id="261" r:id="rId13"/>
+    <p:sldId id="262" r:id="rId14"/>
+    <p:sldId id="263" r:id="rId15"/>
+    <p:sldId id="264" r:id="rId16"/>
+    <p:sldId id="265" r:id="rId17"/>
+    <p:sldId id="266" r:id="rId18"/>
+    <p:sldId id="267" r:id="rId19"/>
+    <p:sldId id="268" r:id="rId20"/>
+    <p:sldId id="269" r:id="rId21"/>
   </p:sldIdLst>
   <p:sldSz cy="5143500" cx="9144000"/>
   <p:notesSz cx="6858000" cy="9144000"/>
   <p:embeddedFontLst>
     <p:embeddedFont>
       <p:font typeface="Garamond"/>
-      <p:regular r:id="rId23"/>
-      <p:bold r:id="rId24"/>
-      <p:italic r:id="rId25"/>
-      <p:boldItalic r:id="rId26"/>
+      <p:regular r:id="rId22"/>
+      <p:bold r:id="rId23"/>
+      <p:italic r:id="rId24"/>
+      <p:boldItalic r:id="rId25"/>
     </p:embeddedFont>
     <p:embeddedFont>
       <p:font typeface="Corbel"/>
-      <p:regular r:id="rId27"/>
-      <p:bold r:id="rId28"/>
-      <p:italic r:id="rId29"/>
-      <p:boldItalic r:id="rId30"/>
+      <p:regular r:id="rId26"/>
+      <p:bold r:id="rId27"/>
+      <p:italic r:id="rId28"/>
+      <p:boldItalic r:id="rId29"/>
     </p:embeddedFont>
   </p:embeddedFontLst>
   <p:defaultTextStyle>
@@ -288,31 +288,6 @@
     </p:ext>
   </p:extLst>
 </p:presentation>
-</file>
-
-<file path=ppt/commentAuthors.xml><?xml version="1.0" encoding="utf-8"?>
-<p:cmAuthorLst xmlns:a="http://schemas.openxmlformats.org/drawingml/2006/main" xmlns:r="http://schemas.openxmlformats.org/officeDocument/2006/relationships" xmlns:mc="http://schemas.openxmlformats.org/markup-compatibility/2006" xmlns:mv="urn:schemas-microsoft-com:mac:vml" xmlns:p="http://schemas.openxmlformats.org/presentationml/2006/main" xmlns:c="http://schemas.openxmlformats.org/drawingml/2006/chart" xmlns:dgm="http://schemas.openxmlformats.org/drawingml/2006/diagram" xmlns:o="urn:schemas-microsoft-com:office:office" xmlns:v="urn:schemas-microsoft-com:vml" xmlns:pvml="urn:schemas-microsoft-com:office:powerpoint" xmlns:com="http://schemas.openxmlformats.org/drawingml/2006/compatibility" xmlns:p14="http://schemas.microsoft.com/office/powerpoint/2010/main" xmlns:p15="http://schemas.microsoft.com/office/powerpoint/2012/main" xmlns:ahyp="http://schemas.microsoft.com/office/drawing/2018/hyperlinkcolor">
-  <p:cmAuthor clrIdx="0" id="0" initials="" lastIdx="1" name="Saicharan Pagidi"/>
-  <p:cmAuthor clrIdx="1" id="1" initials="" lastIdx="2" name="Anonymous"/>
-</p:cmAuthorLst>
-</file>
-
-<file path=ppt/comments/comment1.xml><?xml version="1.0" encoding="utf-8"?>
-<p:cmLst xmlns:a="http://schemas.openxmlformats.org/drawingml/2006/main" xmlns:r="http://schemas.openxmlformats.org/officeDocument/2006/relationships" xmlns:mc="http://schemas.openxmlformats.org/markup-compatibility/2006" xmlns:mv="urn:schemas-microsoft-com:mac:vml" xmlns:p="http://schemas.openxmlformats.org/presentationml/2006/main" xmlns:c="http://schemas.openxmlformats.org/drawingml/2006/chart" xmlns:dgm="http://schemas.openxmlformats.org/drawingml/2006/diagram" xmlns:o="urn:schemas-microsoft-com:office:office" xmlns:v="urn:schemas-microsoft-com:vml" xmlns:pvml="urn:schemas-microsoft-com:office:powerpoint" xmlns:com="http://schemas.openxmlformats.org/drawingml/2006/compatibility" xmlns:p14="http://schemas.microsoft.com/office/powerpoint/2010/main" xmlns:p15="http://schemas.microsoft.com/office/powerpoint/2012/main" xmlns:ahyp="http://schemas.microsoft.com/office/drawing/2018/hyperlinkcolor">
-  <p:cm authorId="0" idx="1" dt="2023-03-07T03:37:25.604">
-    <p:pos x="396" y="151"/>
-    <p:text>bro m chedam eda pedama
-and also documentation lo kuda risks and customers thing pettali</p:text>
-  </p:cm>
-  <p:cm authorId="1" idx="1" dt="2023-03-07T03:37:07.009">
-    <p:pos x="396" y="151"/>
-    <p:text>ha thanu cheyadamu ledha ???</p:text>
-  </p:cm>
-  <p:cm authorId="1" idx="2" dt="2023-03-07T03:37:25.604">
-    <p:pos x="396" y="151"/>
-    <p:text>ramya cheystunadi anukunnna simlutanoues ga</p:text>
-  </p:cm>
-</p:cmLst>
 </file>
 
 <file path=ppt/notesMasters/notesMaster1.xml><?xml version="1.0" encoding="utf-8"?>
@@ -23992,11 +23967,7 @@
             </a:pPr>
             <a:r>
               <a:rPr lang="en"/>
-              <a:t>Customers</a:t>
-            </a:r>
-            <a:r>
-              <a:rPr lang="en"/>
-              <a:t> and Users</a:t>
+              <a:t>Customers and Users</a:t>
             </a:r>
             <a:endParaRPr/>
           </a:p>
@@ -24425,7 +24396,7 @@
             <a:tbl>
               <a:tblPr>
                 <a:noFill/>
-                <a:tableStyleId>{B53D815B-83E2-48A4-A769-F4534C6DF178}</a:tableStyleId>
+                <a:tableStyleId>{D9E72850-0BF2-4055-965A-B9AA52904C73}</a:tableStyleId>
               </a:tblPr>
               <a:tblGrid>
                 <a:gridCol w="3226600"/>
@@ -28147,6 +28118,285 @@
 </file>
 
 <file path=ppt/theme/theme2.xml><?xml version="1.0" encoding="utf-8"?>
+<a:theme xmlns:a="http://schemas.openxmlformats.org/drawingml/2006/main" xmlns:r="http://schemas.openxmlformats.org/officeDocument/2006/relationships" name="Simple Light">
+  <a:themeElements>
+    <a:clrScheme name="Simple Light">
+      <a:dk1>
+        <a:srgbClr val="000000"/>
+      </a:dk1>
+      <a:lt1>
+        <a:srgbClr val="FFFFFF"/>
+      </a:lt1>
+      <a:dk2>
+        <a:srgbClr val="595959"/>
+      </a:dk2>
+      <a:lt2>
+        <a:srgbClr val="EEEEEE"/>
+      </a:lt2>
+      <a:accent1>
+        <a:srgbClr val="4285F4"/>
+      </a:accent1>
+      <a:accent2>
+        <a:srgbClr val="212121"/>
+      </a:accent2>
+      <a:accent3>
+        <a:srgbClr val="78909C"/>
+      </a:accent3>
+      <a:accent4>
+        <a:srgbClr val="FFAB40"/>
+      </a:accent4>
+      <a:accent5>
+        <a:srgbClr val="0097A7"/>
+      </a:accent5>
+      <a:accent6>
+        <a:srgbClr val="EEFF41"/>
+      </a:accent6>
+      <a:hlink>
+        <a:srgbClr val="0097A7"/>
+      </a:hlink>
+      <a:folHlink>
+        <a:srgbClr val="0097A7"/>
+      </a:folHlink>
+    </a:clrScheme>
+    <a:fontScheme name="Office">
+      <a:majorFont>
+        <a:latin typeface="Arial"/>
+        <a:ea typeface=""/>
+        <a:cs typeface=""/>
+        <a:font script="Jpan" typeface="ＭＳ Ｐゴシック"/>
+        <a:font script="Hang" typeface="맑은 고딕"/>
+        <a:font script="Hans" typeface="宋体"/>
+        <a:font script="Hant" typeface="新細明體"/>
+        <a:font script="Arab" typeface="Times New Roman"/>
+        <a:font script="Hebr" typeface="Times New Roman"/>
+        <a:font script="Thai" typeface="Angsana New"/>
+        <a:font script="Ethi" typeface="Nyala"/>
+        <a:font script="Beng" typeface="Vrinda"/>
+        <a:font script="Gujr" typeface="Shruti"/>
+        <a:font script="Khmr" typeface="MoolBoran"/>
+        <a:font script="Knda" typeface="Tunga"/>
+        <a:font script="Guru" typeface="Raavi"/>
+        <a:font script="Cans" typeface="Euphemia"/>
+        <a:font script="Cher" typeface="Plantagenet Cherokee"/>
+        <a:font script="Yiii" typeface="Microsoft Yi Baiti"/>
+        <a:font script="Tibt" typeface="Microsoft Himalaya"/>
+        <a:font script="Thaa" typeface="MV Boli"/>
+        <a:font script="Deva" typeface="Mangal"/>
+        <a:font script="Telu" typeface="Gautami"/>
+        <a:font script="Taml" typeface="Latha"/>
+        <a:font script="Syrc" typeface="Estrangelo Edessa"/>
+        <a:font script="Orya" typeface="Kalinga"/>
+        <a:font script="Mlym" typeface="Kartika"/>
+        <a:font script="Laoo" typeface="DokChampa"/>
+        <a:font script="Sinh" typeface="Iskoola Pota"/>
+        <a:font script="Mong" typeface="Mongolian Baiti"/>
+        <a:font script="Viet" typeface="Times New Roman"/>
+        <a:font script="Uigh" typeface="Microsoft Uighur"/>
+        <a:font script="Geor" typeface="Sylfaen"/>
+      </a:majorFont>
+      <a:minorFont>
+        <a:latin typeface="Arial"/>
+        <a:ea typeface=""/>
+        <a:cs typeface=""/>
+        <a:font script="Jpan" typeface="ＭＳ Ｐゴシック"/>
+        <a:font script="Hang" typeface="맑은 고딕"/>
+        <a:font script="Hans" typeface="宋体"/>
+        <a:font script="Hant" typeface="新細明體"/>
+        <a:font script="Arab" typeface="Arial"/>
+        <a:font script="Hebr" typeface="Arial"/>
+        <a:font script="Thai" typeface="Cordia New"/>
+        <a:font script="Ethi" typeface="Nyala"/>
+        <a:font script="Beng" typeface="Vrinda"/>
+        <a:font script="Gujr" typeface="Shruti"/>
+        <a:font script="Khmr" typeface="DaunPenh"/>
+        <a:font script="Knda" typeface="Tunga"/>
+        <a:font script="Guru" typeface="Raavi"/>
+        <a:font script="Cans" typeface="Euphemia"/>
+        <a:font script="Cher" typeface="Plantagenet Cherokee"/>
+        <a:font script="Yiii" typeface="Microsoft Yi Baiti"/>
+        <a:font script="Tibt" typeface="Microsoft Himalaya"/>
+        <a:font script="Thaa" typeface="MV Boli"/>
+        <a:font script="Deva" typeface="Mangal"/>
+        <a:font script="Telu" typeface="Gautami"/>
+        <a:font script="Taml" typeface="Latha"/>
+        <a:font script="Syrc" typeface="Estrangelo Edessa"/>
+        <a:font script="Orya" typeface="Kalinga"/>
+        <a:font script="Mlym" typeface="Kartika"/>
+        <a:font script="Laoo" typeface="DokChampa"/>
+        <a:font script="Sinh" typeface="Iskoola Pota"/>
+        <a:font script="Mong" typeface="Mongolian Baiti"/>
+        <a:font script="Viet" typeface="Arial"/>
+        <a:font script="Uigh" typeface="Microsoft Uighur"/>
+        <a:font script="Geor" typeface="Sylfaen"/>
+      </a:minorFont>
+    </a:fontScheme>
+    <a:fmtScheme name="Office">
+      <a:fillStyleLst>
+        <a:solidFill>
+          <a:schemeClr val="phClr"/>
+        </a:solidFill>
+        <a:gradFill rotWithShape="1">
+          <a:gsLst>
+            <a:gs pos="0">
+              <a:schemeClr val="phClr">
+                <a:tint val="50000"/>
+                <a:satMod val="300000"/>
+              </a:schemeClr>
+            </a:gs>
+            <a:gs pos="35000">
+              <a:schemeClr val="phClr">
+                <a:tint val="37000"/>
+                <a:satMod val="300000"/>
+              </a:schemeClr>
+            </a:gs>
+            <a:gs pos="100000">
+              <a:schemeClr val="phClr">
+                <a:tint val="15000"/>
+                <a:satMod val="350000"/>
+              </a:schemeClr>
+            </a:gs>
+          </a:gsLst>
+          <a:lin ang="16200000" scaled="1"/>
+        </a:gradFill>
+        <a:gradFill rotWithShape="1">
+          <a:gsLst>
+            <a:gs pos="0">
+              <a:schemeClr val="phClr">
+                <a:tint val="100000"/>
+                <a:shade val="100000"/>
+                <a:satMod val="130000"/>
+              </a:schemeClr>
+            </a:gs>
+            <a:gs pos="100000">
+              <a:schemeClr val="phClr">
+                <a:tint val="50000"/>
+                <a:shade val="100000"/>
+                <a:satMod val="350000"/>
+              </a:schemeClr>
+            </a:gs>
+          </a:gsLst>
+          <a:lin ang="16200000" scaled="0"/>
+        </a:gradFill>
+      </a:fillStyleLst>
+      <a:lnStyleLst>
+        <a:ln w="9525" cap="flat" cmpd="sng" algn="ctr">
+          <a:solidFill>
+            <a:schemeClr val="phClr">
+              <a:shade val="95000"/>
+              <a:satMod val="105000"/>
+            </a:schemeClr>
+          </a:solidFill>
+          <a:prstDash val="solid"/>
+        </a:ln>
+        <a:ln w="25400" cap="flat" cmpd="sng" algn="ctr">
+          <a:solidFill>
+            <a:schemeClr val="phClr"/>
+          </a:solidFill>
+          <a:prstDash val="solid"/>
+        </a:ln>
+        <a:ln w="38100" cap="flat" cmpd="sng" algn="ctr">
+          <a:solidFill>
+            <a:schemeClr val="phClr"/>
+          </a:solidFill>
+          <a:prstDash val="solid"/>
+        </a:ln>
+      </a:lnStyleLst>
+      <a:effectStyleLst>
+        <a:effectStyle>
+          <a:effectLst>
+            <a:outerShdw blurRad="40000" dist="20000" dir="5400000" rotWithShape="0">
+              <a:srgbClr val="000000">
+                <a:alpha val="38000"/>
+              </a:srgbClr>
+            </a:outerShdw>
+          </a:effectLst>
+        </a:effectStyle>
+        <a:effectStyle>
+          <a:effectLst>
+            <a:outerShdw blurRad="40000" dist="23000" dir="5400000" rotWithShape="0">
+              <a:srgbClr val="000000">
+                <a:alpha val="35000"/>
+              </a:srgbClr>
+            </a:outerShdw>
+          </a:effectLst>
+        </a:effectStyle>
+        <a:effectStyle>
+          <a:effectLst>
+            <a:outerShdw blurRad="40000" dist="23000" dir="5400000" rotWithShape="0">
+              <a:srgbClr val="000000">
+                <a:alpha val="35000"/>
+              </a:srgbClr>
+            </a:outerShdw>
+          </a:effectLst>
+          <a:scene3d>
+            <a:camera prst="orthographicFront">
+              <a:rot lat="0" lon="0" rev="0"/>
+            </a:camera>
+            <a:lightRig rig="threePt" dir="t">
+              <a:rot lat="0" lon="0" rev="1200000"/>
+            </a:lightRig>
+          </a:scene3d>
+          <a:sp3d>
+            <a:bevelT w="63500" h="25400"/>
+          </a:sp3d>
+        </a:effectStyle>
+      </a:effectStyleLst>
+      <a:bgFillStyleLst>
+        <a:solidFill>
+          <a:schemeClr val="phClr"/>
+        </a:solidFill>
+        <a:gradFill rotWithShape="1">
+          <a:gsLst>
+            <a:gs pos="0">
+              <a:schemeClr val="phClr">
+                <a:tint val="40000"/>
+                <a:satMod val="350000"/>
+              </a:schemeClr>
+            </a:gs>
+            <a:gs pos="40000">
+              <a:schemeClr val="phClr">
+                <a:tint val="45000"/>
+                <a:shade val="99000"/>
+                <a:satMod val="350000"/>
+              </a:schemeClr>
+            </a:gs>
+            <a:gs pos="100000">
+              <a:schemeClr val="phClr">
+                <a:shade val="20000"/>
+                <a:satMod val="255000"/>
+              </a:schemeClr>
+            </a:gs>
+          </a:gsLst>
+          <a:path path="circle">
+            <a:fillToRect l="50000" t="-80000" r="50000" b="180000"/>
+          </a:path>
+        </a:gradFill>
+        <a:gradFill rotWithShape="1">
+          <a:gsLst>
+            <a:gs pos="0">
+              <a:schemeClr val="phClr">
+                <a:tint val="80000"/>
+                <a:satMod val="300000"/>
+              </a:schemeClr>
+            </a:gs>
+            <a:gs pos="100000">
+              <a:schemeClr val="phClr">
+                <a:shade val="30000"/>
+                <a:satMod val="200000"/>
+              </a:schemeClr>
+            </a:gs>
+          </a:gsLst>
+          <a:path path="circle">
+            <a:fillToRect l="50000" t="50000" r="50000" b="50000"/>
+          </a:path>
+        </a:gradFill>
+      </a:bgFillStyleLst>
+    </a:fmtScheme>
+  </a:themeElements>
+</a:theme>
+</file>
+
+<file path=ppt/theme/theme3.xml><?xml version="1.0" encoding="utf-8"?>
 <a:theme xmlns:a="http://schemas.openxmlformats.org/drawingml/2006/main" xmlns:r="http://schemas.openxmlformats.org/officeDocument/2006/relationships">
   <a:themeElements>
     <a:clrScheme name="Default">
@@ -28423,283 +28673,4 @@
     </a:fmtScheme>
   </a:themeElements>
 </a:theme>
-</file>
-
-<file path=ppt/theme/theme3.xml><?xml version="1.0" encoding="utf-8"?>
-<a:theme xmlns:a="http://schemas.openxmlformats.org/drawingml/2006/main" xmlns:r="http://schemas.openxmlformats.org/officeDocument/2006/relationships" name="Simple Light">
-  <a:themeElements>
-    <a:clrScheme name="Simple Light">
-      <a:dk1>
-        <a:srgbClr val="000000"/>
-      </a:dk1>
-      <a:lt1>
-        <a:srgbClr val="FFFFFF"/>
-      </a:lt1>
-      <a:dk2>
-        <a:srgbClr val="595959"/>
-      </a:dk2>
-      <a:lt2>
-        <a:srgbClr val="EEEEEE"/>
-      </a:lt2>
-      <a:accent1>
-        <a:srgbClr val="4285F4"/>
-      </a:accent1>
-      <a:accent2>
-        <a:srgbClr val="212121"/>
-      </a:accent2>
-      <a:accent3>
-        <a:srgbClr val="78909C"/>
-      </a:accent3>
-      <a:accent4>
-        <a:srgbClr val="FFAB40"/>
-      </a:accent4>
-      <a:accent5>
-        <a:srgbClr val="0097A7"/>
-      </a:accent5>
-      <a:accent6>
-        <a:srgbClr val="EEFF41"/>
-      </a:accent6>
-      <a:hlink>
-        <a:srgbClr val="0097A7"/>
-      </a:hlink>
-      <a:folHlink>
-        <a:srgbClr val="0097A7"/>
-      </a:folHlink>
-    </a:clrScheme>
-    <a:fontScheme name="Office">
-      <a:majorFont>
-        <a:latin typeface="Arial"/>
-        <a:ea typeface=""/>
-        <a:cs typeface=""/>
-        <a:font script="Jpan" typeface="ＭＳ Ｐゴシック"/>
-        <a:font script="Hang" typeface="맑은 고딕"/>
-        <a:font script="Hans" typeface="宋体"/>
-        <a:font script="Hant" typeface="新細明體"/>
-        <a:font script="Arab" typeface="Times New Roman"/>
-        <a:font script="Hebr" typeface="Times New Roman"/>
-        <a:font script="Thai" typeface="Angsana New"/>
-        <a:font script="Ethi" typeface="Nyala"/>
-        <a:font script="Beng" typeface="Vrinda"/>
-        <a:font script="Gujr" typeface="Shruti"/>
-        <a:font script="Khmr" typeface="MoolBoran"/>
-        <a:font script="Knda" typeface="Tunga"/>
-        <a:font script="Guru" typeface="Raavi"/>
-        <a:font script="Cans" typeface="Euphemia"/>
-        <a:font script="Cher" typeface="Plantagenet Cherokee"/>
-        <a:font script="Yiii" typeface="Microsoft Yi Baiti"/>
-        <a:font script="Tibt" typeface="Microsoft Himalaya"/>
-        <a:font script="Thaa" typeface="MV Boli"/>
-        <a:font script="Deva" typeface="Mangal"/>
-        <a:font script="Telu" typeface="Gautami"/>
-        <a:font script="Taml" typeface="Latha"/>
-        <a:font script="Syrc" typeface="Estrangelo Edessa"/>
-        <a:font script="Orya" typeface="Kalinga"/>
-        <a:font script="Mlym" typeface="Kartika"/>
-        <a:font script="Laoo" typeface="DokChampa"/>
-        <a:font script="Sinh" typeface="Iskoola Pota"/>
-        <a:font script="Mong" typeface="Mongolian Baiti"/>
-        <a:font script="Viet" typeface="Times New Roman"/>
-        <a:font script="Uigh" typeface="Microsoft Uighur"/>
-        <a:font script="Geor" typeface="Sylfaen"/>
-      </a:majorFont>
-      <a:minorFont>
-        <a:latin typeface="Arial"/>
-        <a:ea typeface=""/>
-        <a:cs typeface=""/>
-        <a:font script="Jpan" typeface="ＭＳ Ｐゴシック"/>
-        <a:font script="Hang" typeface="맑은 고딕"/>
-        <a:font script="Hans" typeface="宋体"/>
-        <a:font script="Hant" typeface="新細明體"/>
-        <a:font script="Arab" typeface="Arial"/>
-        <a:font script="Hebr" typeface="Arial"/>
-        <a:font script="Thai" typeface="Cordia New"/>
-        <a:font script="Ethi" typeface="Nyala"/>
-        <a:font script="Beng" typeface="Vrinda"/>
-        <a:font script="Gujr" typeface="Shruti"/>
-        <a:font script="Khmr" typeface="DaunPenh"/>
-        <a:font script="Knda" typeface="Tunga"/>
-        <a:font script="Guru" typeface="Raavi"/>
-        <a:font script="Cans" typeface="Euphemia"/>
-        <a:font script="Cher" typeface="Plantagenet Cherokee"/>
-        <a:font script="Yiii" typeface="Microsoft Yi Baiti"/>
-        <a:font script="Tibt" typeface="Microsoft Himalaya"/>
-        <a:font script="Thaa" typeface="MV Boli"/>
-        <a:font script="Deva" typeface="Mangal"/>
-        <a:font script="Telu" typeface="Gautami"/>
-        <a:font script="Taml" typeface="Latha"/>
-        <a:font script="Syrc" typeface="Estrangelo Edessa"/>
-        <a:font script="Orya" typeface="Kalinga"/>
-        <a:font script="Mlym" typeface="Kartika"/>
-        <a:font script="Laoo" typeface="DokChampa"/>
-        <a:font script="Sinh" typeface="Iskoola Pota"/>
-        <a:font script="Mong" typeface="Mongolian Baiti"/>
-        <a:font script="Viet" typeface="Arial"/>
-        <a:font script="Uigh" typeface="Microsoft Uighur"/>
-        <a:font script="Geor" typeface="Sylfaen"/>
-      </a:minorFont>
-    </a:fontScheme>
-    <a:fmtScheme name="Office">
-      <a:fillStyleLst>
-        <a:solidFill>
-          <a:schemeClr val="phClr"/>
-        </a:solidFill>
-        <a:gradFill rotWithShape="1">
-          <a:gsLst>
-            <a:gs pos="0">
-              <a:schemeClr val="phClr">
-                <a:tint val="50000"/>
-                <a:satMod val="300000"/>
-              </a:schemeClr>
-            </a:gs>
-            <a:gs pos="35000">
-              <a:schemeClr val="phClr">
-                <a:tint val="37000"/>
-                <a:satMod val="300000"/>
-              </a:schemeClr>
-            </a:gs>
-            <a:gs pos="100000">
-              <a:schemeClr val="phClr">
-                <a:tint val="15000"/>
-                <a:satMod val="350000"/>
-              </a:schemeClr>
-            </a:gs>
-          </a:gsLst>
-          <a:lin ang="16200000" scaled="1"/>
-        </a:gradFill>
-        <a:gradFill rotWithShape="1">
-          <a:gsLst>
-            <a:gs pos="0">
-              <a:schemeClr val="phClr">
-                <a:tint val="100000"/>
-                <a:shade val="100000"/>
-                <a:satMod val="130000"/>
-              </a:schemeClr>
-            </a:gs>
-            <a:gs pos="100000">
-              <a:schemeClr val="phClr">
-                <a:tint val="50000"/>
-                <a:shade val="100000"/>
-                <a:satMod val="350000"/>
-              </a:schemeClr>
-            </a:gs>
-          </a:gsLst>
-          <a:lin ang="16200000" scaled="0"/>
-        </a:gradFill>
-      </a:fillStyleLst>
-      <a:lnStyleLst>
-        <a:ln w="9525" cap="flat" cmpd="sng" algn="ctr">
-          <a:solidFill>
-            <a:schemeClr val="phClr">
-              <a:shade val="95000"/>
-              <a:satMod val="105000"/>
-            </a:schemeClr>
-          </a:solidFill>
-          <a:prstDash val="solid"/>
-        </a:ln>
-        <a:ln w="25400" cap="flat" cmpd="sng" algn="ctr">
-          <a:solidFill>
-            <a:schemeClr val="phClr"/>
-          </a:solidFill>
-          <a:prstDash val="solid"/>
-        </a:ln>
-        <a:ln w="38100" cap="flat" cmpd="sng" algn="ctr">
-          <a:solidFill>
-            <a:schemeClr val="phClr"/>
-          </a:solidFill>
-          <a:prstDash val="solid"/>
-        </a:ln>
-      </a:lnStyleLst>
-      <a:effectStyleLst>
-        <a:effectStyle>
-          <a:effectLst>
-            <a:outerShdw blurRad="40000" dist="20000" dir="5400000" rotWithShape="0">
-              <a:srgbClr val="000000">
-                <a:alpha val="38000"/>
-              </a:srgbClr>
-            </a:outerShdw>
-          </a:effectLst>
-        </a:effectStyle>
-        <a:effectStyle>
-          <a:effectLst>
-            <a:outerShdw blurRad="40000" dist="23000" dir="5400000" rotWithShape="0">
-              <a:srgbClr val="000000">
-                <a:alpha val="35000"/>
-              </a:srgbClr>
-            </a:outerShdw>
-          </a:effectLst>
-        </a:effectStyle>
-        <a:effectStyle>
-          <a:effectLst>
-            <a:outerShdw blurRad="40000" dist="23000" dir="5400000" rotWithShape="0">
-              <a:srgbClr val="000000">
-                <a:alpha val="35000"/>
-              </a:srgbClr>
-            </a:outerShdw>
-          </a:effectLst>
-          <a:scene3d>
-            <a:camera prst="orthographicFront">
-              <a:rot lat="0" lon="0" rev="0"/>
-            </a:camera>
-            <a:lightRig rig="threePt" dir="t">
-              <a:rot lat="0" lon="0" rev="1200000"/>
-            </a:lightRig>
-          </a:scene3d>
-          <a:sp3d>
-            <a:bevelT w="63500" h="25400"/>
-          </a:sp3d>
-        </a:effectStyle>
-      </a:effectStyleLst>
-      <a:bgFillStyleLst>
-        <a:solidFill>
-          <a:schemeClr val="phClr"/>
-        </a:solidFill>
-        <a:gradFill rotWithShape="1">
-          <a:gsLst>
-            <a:gs pos="0">
-              <a:schemeClr val="phClr">
-                <a:tint val="40000"/>
-                <a:satMod val="350000"/>
-              </a:schemeClr>
-            </a:gs>
-            <a:gs pos="40000">
-              <a:schemeClr val="phClr">
-                <a:tint val="45000"/>
-                <a:shade val="99000"/>
-                <a:satMod val="350000"/>
-              </a:schemeClr>
-            </a:gs>
-            <a:gs pos="100000">
-              <a:schemeClr val="phClr">
-                <a:shade val="20000"/>
-                <a:satMod val="255000"/>
-              </a:schemeClr>
-            </a:gs>
-          </a:gsLst>
-          <a:path path="circle">
-            <a:fillToRect l="50000" t="-80000" r="50000" b="180000"/>
-          </a:path>
-        </a:gradFill>
-        <a:gradFill rotWithShape="1">
-          <a:gsLst>
-            <a:gs pos="0">
-              <a:schemeClr val="phClr">
-                <a:tint val="80000"/>
-                <a:satMod val="300000"/>
-              </a:schemeClr>
-            </a:gs>
-            <a:gs pos="100000">
-              <a:schemeClr val="phClr">
-                <a:shade val="30000"/>
-                <a:satMod val="200000"/>
-              </a:schemeClr>
-            </a:gs>
-          </a:gsLst>
-          <a:path path="circle">
-            <a:fillToRect l="50000" t="50000" r="50000" b="50000"/>
-          </a:path>
-        </a:gradFill>
-      </a:bgFillStyleLst>
-    </a:fmtScheme>
-  </a:themeElements>
-</a:theme>
 </file>
--- a/Iteration_1/iteration_1.pptx
+++ b/Iteration_1/iteration_1.pptx
@@ -28,18 +28,11 @@
   <p:notesSz cx="6858000" cy="9144000"/>
   <p:embeddedFontLst>
     <p:embeddedFont>
-      <p:font typeface="Garamond"/>
+      <p:font typeface="Corbel"/>
       <p:regular r:id="rId22"/>
       <p:bold r:id="rId23"/>
       <p:italic r:id="rId24"/>
       <p:boldItalic r:id="rId25"/>
-    </p:embeddedFont>
-    <p:embeddedFont>
-      <p:font typeface="Corbel"/>
-      <p:regular r:id="rId26"/>
-      <p:bold r:id="rId27"/>
-      <p:italic r:id="rId28"/>
-      <p:boldItalic r:id="rId29"/>
     </p:embeddedFont>
   </p:embeddedFontLst>
   <p:defaultTextStyle>
@@ -23356,7 +23349,7 @@
         <p:spPr>
           <a:xfrm>
             <a:off x="4572000" y="1930500"/>
-            <a:ext cx="4555500" cy="3213000"/>
+            <a:ext cx="4555500" cy="3309900"/>
           </a:xfrm>
           <a:prstGeom prst="rect">
             <a:avLst/>
@@ -23390,12 +23383,40 @@
                   <a:schemeClr val="lt1"/>
                 </a:solidFill>
               </a:rPr>
-              <a:t>				TEAM-1</a:t>
+              <a:t>	</a:t>
             </a:r>
-            <a:endParaRPr sz="1500">
+            <a:r>
+              <a:rPr lang="en" sz="1500">
+                <a:solidFill>
+                  <a:schemeClr val="lt1"/>
+                </a:solidFill>
+                <a:latin typeface="Calibri"/>
+                <a:ea typeface="Calibri"/>
+                <a:cs typeface="Calibri"/>
+                <a:sym typeface="Calibri"/>
+              </a:rPr>
+              <a:t>			</a:t>
+            </a:r>
+            <a:r>
+              <a:rPr lang="en" sz="2400">
+                <a:solidFill>
+                  <a:schemeClr val="lt1"/>
+                </a:solidFill>
+                <a:latin typeface="Calibri"/>
+                <a:ea typeface="Calibri"/>
+                <a:cs typeface="Calibri"/>
+                <a:sym typeface="Calibri"/>
+              </a:rPr>
+              <a:t>TEAM-1</a:t>
+            </a:r>
+            <a:endParaRPr sz="2400">
               <a:solidFill>
                 <a:schemeClr val="lt1"/>
               </a:solidFill>
+              <a:latin typeface="Calibri"/>
+              <a:ea typeface="Calibri"/>
+              <a:cs typeface="Calibri"/>
+              <a:sym typeface="Calibri"/>
             </a:endParaRPr>
           </a:p>
           <a:p>
@@ -23423,6 +23444,10 @@
               <a:solidFill>
                 <a:schemeClr val="lt1"/>
               </a:solidFill>
+              <a:latin typeface="Calibri"/>
+              <a:ea typeface="Calibri"/>
+              <a:cs typeface="Calibri"/>
+              <a:sym typeface="Calibri"/>
             </a:endParaRPr>
           </a:p>
           <a:p>
@@ -23771,10 +23796,20 @@
               <a:buNone/>
             </a:pPr>
             <a:r>
-              <a:rPr lang="en"/>
+              <a:rPr lang="en">
+                <a:latin typeface="Calibri"/>
+                <a:ea typeface="Calibri"/>
+                <a:cs typeface="Calibri"/>
+                <a:sym typeface="Calibri"/>
+              </a:rPr>
               <a:t>Node Dependency Error: </a:t>
             </a:r>
-            <a:endParaRPr/>
+            <a:endParaRPr>
+              <a:latin typeface="Calibri"/>
+              <a:ea typeface="Calibri"/>
+              <a:cs typeface="Calibri"/>
+              <a:sym typeface="Calibri"/>
+            </a:endParaRPr>
           </a:p>
         </p:txBody>
       </p:sp>
@@ -23858,8 +23893,8 @@
         </p:nvSpPr>
         <p:spPr>
           <a:xfrm>
-            <a:off x="6176275" y="1155800"/>
-            <a:ext cx="2877900" cy="2124000"/>
+            <a:off x="6147250" y="1155800"/>
+            <a:ext cx="2877900" cy="1847100"/>
           </a:xfrm>
           <a:prstGeom prst="rect">
             <a:avLst/>
@@ -23886,6 +23921,7 @@
                 <a:schemeClr val="lt1"/>
               </a:buClr>
               <a:buSzPts val="1800"/>
+              <a:buFont typeface="Calibri"/>
               <a:buChar char="●"/>
             </a:pPr>
             <a:r>
@@ -23893,6 +23929,10 @@
                 <a:solidFill>
                   <a:schemeClr val="lt1"/>
                 </a:solidFill>
+                <a:latin typeface="Calibri"/>
+                <a:ea typeface="Calibri"/>
+                <a:cs typeface="Calibri"/>
+                <a:sym typeface="Calibri"/>
               </a:rPr>
               <a:t>This issue does not reproduce when running truffle from the local dev environment (either via cli.js or the webpack bundle)[3]</a:t>
             </a:r>
@@ -23900,10 +23940,10 @@
               <a:solidFill>
                 <a:schemeClr val="lt1"/>
               </a:solidFill>
-              <a:latin typeface="Corbel"/>
-              <a:ea typeface="Corbel"/>
-              <a:cs typeface="Corbel"/>
-              <a:sym typeface="Corbel"/>
+              <a:latin typeface="Calibri"/>
+              <a:ea typeface="Calibri"/>
+              <a:cs typeface="Calibri"/>
+              <a:sym typeface="Calibri"/>
             </a:endParaRPr>
           </a:p>
         </p:txBody>
@@ -23966,10 +24006,20 @@
               <a:buNone/>
             </a:pPr>
             <a:r>
-              <a:rPr lang="en"/>
+              <a:rPr lang="en">
+                <a:latin typeface="Calibri"/>
+                <a:ea typeface="Calibri"/>
+                <a:cs typeface="Calibri"/>
+                <a:sym typeface="Calibri"/>
+              </a:rPr>
               <a:t>Customers and Users</a:t>
             </a:r>
-            <a:endParaRPr/>
+            <a:endParaRPr>
+              <a:latin typeface="Calibri"/>
+              <a:ea typeface="Calibri"/>
+              <a:cs typeface="Calibri"/>
+              <a:sym typeface="Calibri"/>
+            </a:endParaRPr>
           </a:p>
         </p:txBody>
       </p:sp>
@@ -24013,18 +24063,38 @@
               <a:t>●</a:t>
             </a:r>
             <a:r>
-              <a:rPr lang="en" sz="5600"/>
+              <a:rPr lang="en" sz="5600">
+                <a:latin typeface="Calibri"/>
+                <a:ea typeface="Calibri"/>
+                <a:cs typeface="Calibri"/>
+                <a:sym typeface="Calibri"/>
+              </a:rPr>
               <a:t>As these are primarily used for building the </a:t>
             </a:r>
             <a:r>
-              <a:rPr lang="en" sz="5600"/>
+              <a:rPr lang="en" sz="5600">
+                <a:latin typeface="Calibri"/>
+                <a:ea typeface="Calibri"/>
+                <a:cs typeface="Calibri"/>
+                <a:sym typeface="Calibri"/>
+              </a:rPr>
               <a:t>Decentralized</a:t>
             </a:r>
             <a:r>
-              <a:rPr lang="en" sz="5600"/>
+              <a:rPr lang="en" sz="5600">
+                <a:latin typeface="Calibri"/>
+                <a:ea typeface="Calibri"/>
+                <a:cs typeface="Calibri"/>
+                <a:sym typeface="Calibri"/>
+              </a:rPr>
               <a:t> applications.</a:t>
             </a:r>
-            <a:endParaRPr sz="5600"/>
+            <a:endParaRPr sz="5600">
+              <a:latin typeface="Calibri"/>
+              <a:ea typeface="Calibri"/>
+              <a:cs typeface="Calibri"/>
+              <a:sym typeface="Calibri"/>
+            </a:endParaRPr>
           </a:p>
           <a:p>
             <a:pPr indent="-317500" lvl="0" marL="457200" rtl="0" algn="l">
@@ -24038,37 +24108,78 @@
                 <a:spcPts val="0"/>
               </a:spcAft>
               <a:buSzPct val="100000"/>
+              <a:buFont typeface="Calibri"/>
               <a:buAutoNum type="arabicPeriod"/>
             </a:pPr>
             <a:r>
-              <a:rPr lang="en" sz="5600"/>
+              <a:rPr lang="en" sz="5600">
+                <a:latin typeface="Calibri"/>
+                <a:ea typeface="Calibri"/>
+                <a:cs typeface="Calibri"/>
+                <a:sym typeface="Calibri"/>
+              </a:rPr>
               <a:t>The Customers and the users are primarily the Developers who build smart contracts and   Decentralised apps who deploy their </a:t>
             </a:r>
             <a:r>
-              <a:rPr lang="en" sz="5600"/>
+              <a:rPr lang="en" sz="5600">
+                <a:latin typeface="Calibri"/>
+                <a:ea typeface="Calibri"/>
+                <a:cs typeface="Calibri"/>
+                <a:sym typeface="Calibri"/>
+              </a:rPr>
               <a:t>contracts</a:t>
             </a:r>
             <a:r>
-              <a:rPr lang="en" sz="5600"/>
+              <a:rPr lang="en" sz="5600">
+                <a:latin typeface="Calibri"/>
+                <a:ea typeface="Calibri"/>
+                <a:cs typeface="Calibri"/>
+                <a:sym typeface="Calibri"/>
+              </a:rPr>
               <a:t> on the Ethereum </a:t>
             </a:r>
             <a:r>
-              <a:rPr lang="en" sz="5600"/>
+              <a:rPr lang="en" sz="5600">
+                <a:latin typeface="Calibri"/>
+                <a:ea typeface="Calibri"/>
+                <a:cs typeface="Calibri"/>
+                <a:sym typeface="Calibri"/>
+              </a:rPr>
               <a:t>blockchain</a:t>
             </a:r>
             <a:r>
-              <a:rPr lang="en" sz="5600"/>
+              <a:rPr lang="en" sz="5600">
+                <a:latin typeface="Calibri"/>
+                <a:ea typeface="Calibri"/>
+                <a:cs typeface="Calibri"/>
+                <a:sym typeface="Calibri"/>
+              </a:rPr>
               <a:t> </a:t>
             </a:r>
             <a:r>
-              <a:rPr lang="en" sz="5600"/>
+              <a:rPr lang="en" sz="5600">
+                <a:latin typeface="Calibri"/>
+                <a:ea typeface="Calibri"/>
+                <a:cs typeface="Calibri"/>
+                <a:sym typeface="Calibri"/>
+              </a:rPr>
               <a:t>technology</a:t>
             </a:r>
             <a:r>
-              <a:rPr lang="en" sz="5600"/>
+              <a:rPr lang="en" sz="5600">
+                <a:latin typeface="Calibri"/>
+                <a:ea typeface="Calibri"/>
+                <a:cs typeface="Calibri"/>
+                <a:sym typeface="Calibri"/>
+              </a:rPr>
               <a:t>.</a:t>
             </a:r>
-            <a:endParaRPr sz="5600"/>
+            <a:endParaRPr sz="5600">
+              <a:latin typeface="Calibri"/>
+              <a:ea typeface="Calibri"/>
+              <a:cs typeface="Calibri"/>
+              <a:sym typeface="Calibri"/>
+            </a:endParaRPr>
           </a:p>
           <a:p>
             <a:pPr indent="-317500" lvl="0" marL="457200" rtl="0" algn="l">
@@ -24082,36 +24193,77 @@
                 <a:spcPts val="0"/>
               </a:spcAft>
               <a:buSzPct val="100000"/>
+              <a:buFont typeface="Calibri"/>
               <a:buAutoNum type="arabicPeriod"/>
             </a:pPr>
             <a:r>
-              <a:rPr lang="en" sz="5600"/>
+              <a:rPr lang="en" sz="5600">
+                <a:latin typeface="Calibri"/>
+                <a:ea typeface="Calibri"/>
+                <a:cs typeface="Calibri"/>
+                <a:sym typeface="Calibri"/>
+              </a:rPr>
               <a:t>Also many organisations started </a:t>
             </a:r>
             <a:r>
-              <a:rPr lang="en" sz="5600"/>
+              <a:rPr lang="en" sz="5600">
+                <a:latin typeface="Calibri"/>
+                <a:ea typeface="Calibri"/>
+                <a:cs typeface="Calibri"/>
+                <a:sym typeface="Calibri"/>
+              </a:rPr>
               <a:t>using</a:t>
             </a:r>
             <a:r>
-              <a:rPr lang="en" sz="5600"/>
+              <a:rPr lang="en" sz="5600">
+                <a:latin typeface="Calibri"/>
+                <a:ea typeface="Calibri"/>
+                <a:cs typeface="Calibri"/>
+                <a:sym typeface="Calibri"/>
+              </a:rPr>
               <a:t> these </a:t>
             </a:r>
             <a:r>
-              <a:rPr lang="en" sz="5600"/>
+              <a:rPr lang="en" sz="5600">
+                <a:latin typeface="Calibri"/>
+                <a:ea typeface="Calibri"/>
+                <a:cs typeface="Calibri"/>
+                <a:sym typeface="Calibri"/>
+              </a:rPr>
               <a:t>blockchain</a:t>
             </a:r>
             <a:r>
-              <a:rPr lang="en" sz="5600"/>
+              <a:rPr lang="en" sz="5600">
+                <a:latin typeface="Calibri"/>
+                <a:ea typeface="Calibri"/>
+                <a:cs typeface="Calibri"/>
+                <a:sym typeface="Calibri"/>
+              </a:rPr>
               <a:t> technologies </a:t>
             </a:r>
             <a:br>
-              <a:rPr lang="en" sz="5600"/>
+              <a:rPr lang="en" sz="5600">
+                <a:latin typeface="Calibri"/>
+                <a:ea typeface="Calibri"/>
+                <a:cs typeface="Calibri"/>
+                <a:sym typeface="Calibri"/>
+              </a:rPr>
             </a:br>
             <a:r>
-              <a:rPr lang="en" sz="5600"/>
+              <a:rPr lang="en" sz="5600">
+                <a:latin typeface="Calibri"/>
+                <a:ea typeface="Calibri"/>
+                <a:cs typeface="Calibri"/>
+                <a:sym typeface="Calibri"/>
+              </a:rPr>
               <a:t>Organisation such as the Financial institutes such as banks for cross border money transfer services etc.</a:t>
             </a:r>
-            <a:endParaRPr sz="5600"/>
+            <a:endParaRPr sz="5600">
+              <a:latin typeface="Calibri"/>
+              <a:ea typeface="Calibri"/>
+              <a:cs typeface="Calibri"/>
+              <a:sym typeface="Calibri"/>
+            </a:endParaRPr>
           </a:p>
           <a:p>
             <a:pPr indent="-317500" lvl="0" marL="457200" rtl="0" algn="l">
@@ -24125,17 +24277,33 @@
                 <a:spcPts val="0"/>
               </a:spcAft>
               <a:buSzPct val="100000"/>
+              <a:buFont typeface="Calibri"/>
               <a:buAutoNum type="arabicPeriod"/>
             </a:pPr>
             <a:r>
-              <a:rPr lang="en" sz="5600"/>
+              <a:rPr lang="en" sz="5600">
+                <a:latin typeface="Calibri"/>
+                <a:ea typeface="Calibri"/>
+                <a:cs typeface="Calibri"/>
+                <a:sym typeface="Calibri"/>
+              </a:rPr>
               <a:t>Health</a:t>
             </a:r>
             <a:r>
-              <a:rPr lang="en" sz="5600"/>
+              <a:rPr lang="en" sz="5600">
+                <a:latin typeface="Calibri"/>
+                <a:ea typeface="Calibri"/>
+                <a:cs typeface="Calibri"/>
+                <a:sym typeface="Calibri"/>
+              </a:rPr>
               <a:t> care industry also using these services as it provide more security to the patient data and also for medicinal drug supply etc.</a:t>
             </a:r>
-            <a:endParaRPr sz="5600"/>
+            <a:endParaRPr sz="5600">
+              <a:latin typeface="Calibri"/>
+              <a:ea typeface="Calibri"/>
+              <a:cs typeface="Calibri"/>
+              <a:sym typeface="Calibri"/>
+            </a:endParaRPr>
           </a:p>
           <a:p>
             <a:pPr indent="-317500" lvl="0" marL="457200" rtl="0" algn="l">
@@ -24149,21 +24317,42 @@
                 <a:spcPts val="0"/>
               </a:spcAft>
               <a:buSzPct val="100000"/>
+              <a:buFont typeface="Calibri"/>
               <a:buAutoNum type="arabicPeriod"/>
             </a:pPr>
             <a:r>
-              <a:rPr lang="en" sz="5600"/>
+              <a:rPr lang="en" sz="5600">
+                <a:latin typeface="Calibri"/>
+                <a:ea typeface="Calibri"/>
+                <a:cs typeface="Calibri"/>
+                <a:sym typeface="Calibri"/>
+              </a:rPr>
               <a:t>Additionally Governments across the world are using these technologies however it might be difficult to tell which </a:t>
             </a:r>
             <a:r>
-              <a:rPr lang="en" sz="5600"/>
+              <a:rPr lang="en" sz="5600">
+                <a:latin typeface="Calibri"/>
+                <a:ea typeface="Calibri"/>
+                <a:cs typeface="Calibri"/>
+                <a:sym typeface="Calibri"/>
+              </a:rPr>
               <a:t>technology</a:t>
             </a:r>
             <a:r>
-              <a:rPr lang="en" sz="5600"/>
+              <a:rPr lang="en" sz="5600">
+                <a:latin typeface="Calibri"/>
+                <a:ea typeface="Calibri"/>
+                <a:cs typeface="Calibri"/>
+                <a:sym typeface="Calibri"/>
+              </a:rPr>
               <a:t> they are specifically using but Governments like Dubai, India, China, Estonia etc. </a:t>
             </a:r>
-            <a:endParaRPr sz="5600"/>
+            <a:endParaRPr sz="5600">
+              <a:latin typeface="Calibri"/>
+              <a:ea typeface="Calibri"/>
+              <a:cs typeface="Calibri"/>
+              <a:sym typeface="Calibri"/>
+            </a:endParaRPr>
           </a:p>
           <a:p>
             <a:pPr indent="-317500" lvl="0" marL="457200" rtl="0" algn="l">
@@ -24177,13 +24366,24 @@
                 <a:spcPts val="0"/>
               </a:spcAft>
               <a:buSzPct val="100000"/>
+              <a:buFont typeface="Calibri"/>
               <a:buAutoNum type="arabicPeriod"/>
             </a:pPr>
             <a:r>
-              <a:rPr lang="en" sz="5600"/>
+              <a:rPr lang="en" sz="5600">
+                <a:latin typeface="Calibri"/>
+                <a:ea typeface="Calibri"/>
+                <a:cs typeface="Calibri"/>
+                <a:sym typeface="Calibri"/>
+              </a:rPr>
               <a:t>After the modifications that are to be done users that use typescript to deploy the contracts on the local environment can use this tool .</a:t>
             </a:r>
-            <a:endParaRPr sz="5600"/>
+            <a:endParaRPr sz="5600">
+              <a:latin typeface="Calibri"/>
+              <a:ea typeface="Calibri"/>
+              <a:cs typeface="Calibri"/>
+              <a:sym typeface="Calibri"/>
+            </a:endParaRPr>
           </a:p>
           <a:p>
             <a:pPr indent="0" lvl="0" marL="0" rtl="0" algn="l">
@@ -24307,7 +24507,7 @@
         </p:nvSpPr>
         <p:spPr>
           <a:xfrm>
-            <a:off x="628650" y="273844"/>
+            <a:off x="556100" y="215794"/>
             <a:ext cx="7886700" cy="994200"/>
           </a:xfrm>
           <a:prstGeom prst="rect">
@@ -24330,10 +24530,20 @@
               <a:buNone/>
             </a:pPr>
             <a:r>
-              <a:rPr lang="en"/>
+              <a:rPr lang="en">
+                <a:latin typeface="Calibri"/>
+                <a:ea typeface="Calibri"/>
+                <a:cs typeface="Calibri"/>
+                <a:sym typeface="Calibri"/>
+              </a:rPr>
               <a:t>Risk Factors and Mitigation Plans</a:t>
             </a:r>
-            <a:endParaRPr/>
+            <a:endParaRPr>
+              <a:latin typeface="Calibri"/>
+              <a:ea typeface="Calibri"/>
+              <a:cs typeface="Calibri"/>
+              <a:sym typeface="Calibri"/>
+            </a:endParaRPr>
           </a:p>
         </p:txBody>
       </p:sp>
@@ -24396,7 +24606,7 @@
             <a:tbl>
               <a:tblPr>
                 <a:noFill/>
-                <a:tableStyleId>{D9E72850-0BF2-4055-965A-B9AA52904C73}</a:tableStyleId>
+                <a:tableStyleId>{424326C6-A073-4CD3-8FE1-CB42F64EC149}</a:tableStyleId>
               </a:tblPr>
               <a:tblGrid>
                 <a:gridCol w="3226600"/>
@@ -24441,6 +24651,10 @@
                         <a:solidFill>
                           <a:schemeClr val="lt1"/>
                         </a:solidFill>
+                        <a:latin typeface="Calibri"/>
+                        <a:ea typeface="Calibri"/>
+                        <a:cs typeface="Calibri"/>
+                        <a:sym typeface="Calibri"/>
                       </a:endParaRPr>
                     </a:p>
                   </a:txBody>
@@ -24465,6 +24679,10 @@
                           <a:solidFill>
                             <a:schemeClr val="lt1"/>
                           </a:solidFill>
+                          <a:latin typeface="Calibri"/>
+                          <a:ea typeface="Calibri"/>
+                          <a:cs typeface="Calibri"/>
+                          <a:sym typeface="Calibri"/>
                         </a:rPr>
                         <a:t>            Mitigation Plan</a:t>
                       </a:r>
@@ -24472,6 +24690,10 @@
                         <a:solidFill>
                           <a:schemeClr val="lt1"/>
                         </a:solidFill>
+                        <a:latin typeface="Calibri"/>
+                        <a:ea typeface="Calibri"/>
+                        <a:cs typeface="Calibri"/>
+                        <a:sym typeface="Calibri"/>
                       </a:endParaRPr>
                     </a:p>
                   </a:txBody>
@@ -24498,6 +24720,10 @@
                           <a:solidFill>
                             <a:schemeClr val="lt1"/>
                           </a:solidFill>
+                          <a:latin typeface="Calibri"/>
+                          <a:ea typeface="Calibri"/>
+                          <a:cs typeface="Calibri"/>
+                          <a:sym typeface="Calibri"/>
                         </a:rPr>
                         <a:t>Analyzing Dependency issue</a:t>
                       </a:r>
@@ -24505,6 +24731,10 @@
                         <a:solidFill>
                           <a:schemeClr val="lt1"/>
                         </a:solidFill>
+                        <a:latin typeface="Calibri"/>
+                        <a:ea typeface="Calibri"/>
+                        <a:cs typeface="Calibri"/>
+                        <a:sym typeface="Calibri"/>
                       </a:endParaRPr>
                     </a:p>
                   </a:txBody>
@@ -24529,6 +24759,10 @@
                           <a:solidFill>
                             <a:schemeClr val="lt1"/>
                           </a:solidFill>
+                          <a:latin typeface="Calibri"/>
+                          <a:ea typeface="Calibri"/>
+                          <a:cs typeface="Calibri"/>
+                          <a:sym typeface="Calibri"/>
                         </a:rPr>
                         <a:t>Considering a solution to solve the typescript error</a:t>
                       </a:r>
@@ -24536,6 +24770,10 @@
                         <a:solidFill>
                           <a:schemeClr val="lt1"/>
                         </a:solidFill>
+                        <a:latin typeface="Calibri"/>
+                        <a:ea typeface="Calibri"/>
+                        <a:cs typeface="Calibri"/>
+                        <a:sym typeface="Calibri"/>
                       </a:endParaRPr>
                     </a:p>
                   </a:txBody>
@@ -24562,6 +24800,10 @@
                           <a:solidFill>
                             <a:schemeClr val="lt1"/>
                           </a:solidFill>
+                          <a:latin typeface="Calibri"/>
+                          <a:ea typeface="Calibri"/>
+                          <a:cs typeface="Calibri"/>
+                          <a:sym typeface="Calibri"/>
                         </a:rPr>
                         <a:t>Adapt Typescript programming language syntax </a:t>
                       </a:r>
@@ -24569,6 +24811,10 @@
                         <a:solidFill>
                           <a:schemeClr val="lt1"/>
                         </a:solidFill>
+                        <a:latin typeface="Calibri"/>
+                        <a:ea typeface="Calibri"/>
+                        <a:cs typeface="Calibri"/>
+                        <a:sym typeface="Calibri"/>
                       </a:endParaRPr>
                     </a:p>
                   </a:txBody>
@@ -24593,6 +24839,10 @@
                           <a:solidFill>
                             <a:schemeClr val="lt1"/>
                           </a:solidFill>
+                          <a:latin typeface="Calibri"/>
+                          <a:ea typeface="Calibri"/>
+                          <a:cs typeface="Calibri"/>
+                          <a:sym typeface="Calibri"/>
                         </a:rPr>
                         <a:t>Daily Spending Some time for Typescript language.</a:t>
                       </a:r>
@@ -24600,6 +24850,10 @@
                         <a:solidFill>
                           <a:schemeClr val="lt1"/>
                         </a:solidFill>
+                        <a:latin typeface="Calibri"/>
+                        <a:ea typeface="Calibri"/>
+                        <a:cs typeface="Calibri"/>
+                        <a:sym typeface="Calibri"/>
                       </a:endParaRPr>
                     </a:p>
                   </a:txBody>
@@ -24626,6 +24880,10 @@
                           <a:solidFill>
                             <a:schemeClr val="lt1"/>
                           </a:solidFill>
+                          <a:latin typeface="Calibri"/>
+                          <a:ea typeface="Calibri"/>
+                          <a:cs typeface="Calibri"/>
+                          <a:sym typeface="Calibri"/>
                         </a:rPr>
                         <a:t>Some bugs and defects may go </a:t>
                       </a:r>
@@ -24634,6 +24892,10 @@
                           <a:solidFill>
                             <a:schemeClr val="lt1"/>
                           </a:solidFill>
+                          <a:latin typeface="Calibri"/>
+                          <a:ea typeface="Calibri"/>
+                          <a:cs typeface="Calibri"/>
+                          <a:sym typeface="Calibri"/>
                         </a:rPr>
                         <a:t>unnoticed</a:t>
                       </a:r>
@@ -24642,6 +24904,10 @@
                           <a:solidFill>
                             <a:schemeClr val="lt1"/>
                           </a:solidFill>
+                          <a:latin typeface="Calibri"/>
+                          <a:ea typeface="Calibri"/>
+                          <a:cs typeface="Calibri"/>
+                          <a:sym typeface="Calibri"/>
                         </a:rPr>
                         <a:t> until and unless deployed on the live Ethereum Network</a:t>
                       </a:r>
@@ -24649,6 +24915,10 @@
                         <a:solidFill>
                           <a:schemeClr val="lt1"/>
                         </a:solidFill>
+                        <a:latin typeface="Calibri"/>
+                        <a:ea typeface="Calibri"/>
+                        <a:cs typeface="Calibri"/>
+                        <a:sym typeface="Calibri"/>
                       </a:endParaRPr>
                     </a:p>
                   </a:txBody>
@@ -24673,6 +24943,10 @@
                           <a:solidFill>
                             <a:schemeClr val="lt1"/>
                           </a:solidFill>
+                          <a:latin typeface="Calibri"/>
+                          <a:ea typeface="Calibri"/>
+                          <a:cs typeface="Calibri"/>
+                          <a:sym typeface="Calibri"/>
                         </a:rPr>
                         <a:t>Must use built-in </a:t>
                       </a:r>
@@ -24681,6 +24955,10 @@
                           <a:solidFill>
                             <a:schemeClr val="lt1"/>
                           </a:solidFill>
+                          <a:latin typeface="Calibri"/>
+                          <a:ea typeface="Calibri"/>
+                          <a:cs typeface="Calibri"/>
+                          <a:sym typeface="Calibri"/>
                         </a:rPr>
                         <a:t>tools</a:t>
                       </a:r>
@@ -24689,6 +24967,10 @@
                           <a:solidFill>
                             <a:schemeClr val="lt1"/>
                           </a:solidFill>
+                          <a:latin typeface="Calibri"/>
+                          <a:ea typeface="Calibri"/>
+                          <a:cs typeface="Calibri"/>
+                          <a:sym typeface="Calibri"/>
                         </a:rPr>
                         <a:t> for testing the smart contract and also use the code Reviews and formal </a:t>
                       </a:r>
@@ -24697,6 +24979,10 @@
                           <a:solidFill>
                             <a:schemeClr val="lt1"/>
                           </a:solidFill>
+                          <a:latin typeface="Calibri"/>
+                          <a:ea typeface="Calibri"/>
+                          <a:cs typeface="Calibri"/>
+                          <a:sym typeface="Calibri"/>
                         </a:rPr>
                         <a:t>verifications</a:t>
                       </a:r>
@@ -24705,6 +24991,10 @@
                           <a:solidFill>
                             <a:schemeClr val="lt1"/>
                           </a:solidFill>
+                          <a:latin typeface="Calibri"/>
+                          <a:ea typeface="Calibri"/>
+                          <a:cs typeface="Calibri"/>
+                          <a:sym typeface="Calibri"/>
                         </a:rPr>
                         <a:t>.</a:t>
                       </a:r>
@@ -24712,6 +25002,10 @@
                         <a:solidFill>
                           <a:schemeClr val="lt1"/>
                         </a:solidFill>
+                        <a:latin typeface="Calibri"/>
+                        <a:ea typeface="Calibri"/>
+                        <a:cs typeface="Calibri"/>
+                        <a:sym typeface="Calibri"/>
                       </a:endParaRPr>
                     </a:p>
                   </a:txBody>
@@ -24780,10 +25074,20 @@
               <a:buNone/>
             </a:pPr>
             <a:r>
-              <a:rPr lang="en"/>
+              <a:rPr lang="en">
+                <a:latin typeface="Calibri"/>
+                <a:ea typeface="Calibri"/>
+                <a:cs typeface="Calibri"/>
+                <a:sym typeface="Calibri"/>
+              </a:rPr>
               <a:t>References</a:t>
             </a:r>
-            <a:endParaRPr/>
+            <a:endParaRPr>
+              <a:latin typeface="Calibri"/>
+              <a:ea typeface="Calibri"/>
+              <a:cs typeface="Calibri"/>
+              <a:sym typeface="Calibri"/>
+            </a:endParaRPr>
           </a:p>
         </p:txBody>
       </p:sp>
@@ -24797,7 +25101,7 @@
         </p:nvSpPr>
         <p:spPr>
           <a:xfrm>
-            <a:off x="840000" y="1369219"/>
+            <a:off x="734250" y="1385956"/>
             <a:ext cx="7675500" cy="3263400"/>
           </a:xfrm>
           <a:prstGeom prst="rect">
@@ -24829,9 +25133,23 @@
             </a:pPr>
             <a:r>
               <a:rPr lang="en"/>
-              <a:t>●	https://github.com/trufflesuite/truffle#install [1]</a:t>
+              <a:t>●	</a:t>
             </a:r>
-            <a:endParaRPr/>
+            <a:r>
+              <a:rPr lang="en">
+                <a:latin typeface="Calibri"/>
+                <a:ea typeface="Calibri"/>
+                <a:cs typeface="Calibri"/>
+                <a:sym typeface="Calibri"/>
+              </a:rPr>
+              <a:t>https://github.com/trufflesuite/truffle#install [1]</a:t>
+            </a:r>
+            <a:endParaRPr>
+              <a:latin typeface="Calibri"/>
+              <a:ea typeface="Calibri"/>
+              <a:cs typeface="Calibri"/>
+              <a:sym typeface="Calibri"/>
+            </a:endParaRPr>
           </a:p>
           <a:p>
             <a:pPr indent="0" lvl="0" marL="0" rtl="0" algn="l">
@@ -24852,10 +25170,20 @@
               <a:buNone/>
             </a:pPr>
             <a:r>
-              <a:rPr lang="en"/>
+              <a:rPr lang="en">
+                <a:latin typeface="Calibri"/>
+                <a:ea typeface="Calibri"/>
+                <a:cs typeface="Calibri"/>
+                <a:sym typeface="Calibri"/>
+              </a:rPr>
               <a:t>●	https://github.com/trufflesuite/ganache#command-line-use [2]</a:t>
             </a:r>
-            <a:endParaRPr/>
+            <a:endParaRPr>
+              <a:latin typeface="Calibri"/>
+              <a:ea typeface="Calibri"/>
+              <a:cs typeface="Calibri"/>
+              <a:sym typeface="Calibri"/>
+            </a:endParaRPr>
           </a:p>
           <a:p>
             <a:pPr indent="0" lvl="0" marL="0" rtl="0" algn="l">
@@ -24876,10 +25204,20 @@
               <a:buNone/>
             </a:pPr>
             <a:r>
-              <a:rPr lang="en"/>
+              <a:rPr lang="en">
+                <a:latin typeface="Calibri"/>
+                <a:ea typeface="Calibri"/>
+                <a:cs typeface="Calibri"/>
+                <a:sym typeface="Calibri"/>
+              </a:rPr>
               <a:t>●	https://github.com/trufflesuite/truffle/issues/5381 [3], [4] and [5]</a:t>
             </a:r>
-            <a:endParaRPr/>
+            <a:endParaRPr>
+              <a:latin typeface="Calibri"/>
+              <a:ea typeface="Calibri"/>
+              <a:cs typeface="Calibri"/>
+              <a:sym typeface="Calibri"/>
+            </a:endParaRPr>
           </a:p>
           <a:p>
             <a:pPr indent="0" lvl="0" marL="0" rtl="0" algn="l">
@@ -25003,8 +25341,8 @@
         </p:nvSpPr>
         <p:spPr>
           <a:xfrm>
-            <a:off x="2034900" y="1956150"/>
-            <a:ext cx="5074200" cy="1231200"/>
+            <a:off x="2034900" y="1189750"/>
+            <a:ext cx="5074200" cy="1382100"/>
           </a:xfrm>
           <a:prstGeom prst="rect">
             <a:avLst/>
@@ -25016,7 +25354,7 @@
           </a:bodyPr>
           <a:lstStyle/>
           <a:p>
-            <a:pPr indent="0" lvl="0" marL="0" rtl="0" algn="r">
+            <a:pPr indent="0" lvl="0" marL="0" rtl="0" algn="ctr">
               <a:spcBef>
                 <a:spcPts val="0"/>
               </a:spcBef>
@@ -25030,6 +25368,10 @@
                 <a:solidFill>
                   <a:schemeClr val="lt1"/>
                 </a:solidFill>
+                <a:latin typeface="Calibri"/>
+                <a:ea typeface="Calibri"/>
+                <a:cs typeface="Calibri"/>
+                <a:sym typeface="Calibri"/>
               </a:rPr>
               <a:t>THANK YOU</a:t>
             </a:r>
@@ -25037,6 +25379,10 @@
               <a:solidFill>
                 <a:schemeClr val="lt1"/>
               </a:solidFill>
+              <a:latin typeface="Calibri"/>
+              <a:ea typeface="Calibri"/>
+              <a:cs typeface="Calibri"/>
+              <a:sym typeface="Calibri"/>
             </a:endParaRPr>
           </a:p>
         </p:txBody>
@@ -25051,7 +25397,7 @@
         </p:nvSpPr>
         <p:spPr>
           <a:xfrm>
-            <a:off x="3056550" y="3187350"/>
+            <a:off x="3107325" y="3187350"/>
             <a:ext cx="3030900" cy="1092000"/>
           </a:xfrm>
           <a:prstGeom prst="rect">
@@ -25078,6 +25424,10 @@
                 <a:solidFill>
                   <a:schemeClr val="lt1"/>
                 </a:solidFill>
+                <a:latin typeface="Calibri"/>
+                <a:ea typeface="Calibri"/>
+                <a:cs typeface="Calibri"/>
+                <a:sym typeface="Calibri"/>
               </a:rPr>
               <a:t>Any </a:t>
             </a:r>
@@ -25086,6 +25436,10 @@
                 <a:solidFill>
                   <a:schemeClr val="lt1"/>
                 </a:solidFill>
+                <a:latin typeface="Calibri"/>
+                <a:ea typeface="Calibri"/>
+                <a:cs typeface="Calibri"/>
+                <a:sym typeface="Calibri"/>
               </a:rPr>
               <a:t>Questions?</a:t>
             </a:r>
@@ -25093,6 +25447,10 @@
               <a:solidFill>
                 <a:schemeClr val="lt1"/>
               </a:solidFill>
+              <a:latin typeface="Calibri"/>
+              <a:ea typeface="Calibri"/>
+              <a:cs typeface="Calibri"/>
+              <a:sym typeface="Calibri"/>
             </a:endParaRPr>
           </a:p>
         </p:txBody>
@@ -25200,7 +25558,7 @@
                 <a:schemeClr val="lt1"/>
               </a:buClr>
               <a:buSzPts val="2900"/>
-              <a:buFont typeface="Garamond"/>
+              <a:buFont typeface="Calibri"/>
               <a:buChar char="❏"/>
             </a:pPr>
             <a:r>
@@ -25208,10 +25566,10 @@
                 <a:solidFill>
                   <a:schemeClr val="lt1"/>
                 </a:solidFill>
-                <a:latin typeface="Garamond"/>
-                <a:ea typeface="Garamond"/>
-                <a:cs typeface="Garamond"/>
-                <a:sym typeface="Garamond"/>
+                <a:latin typeface="Calibri"/>
+                <a:ea typeface="Calibri"/>
+                <a:cs typeface="Calibri"/>
+                <a:sym typeface="Calibri"/>
               </a:rPr>
               <a:t>We have gone through various tools and extensions while doing the research we found these which can be used in this project the various personal blockchain Ethereum like Ganache, Embark, Remix and tools like Lerna, Yarn Workspaces and Bolt.</a:t>
             </a:r>
@@ -25219,10 +25577,10 @@
               <a:solidFill>
                 <a:schemeClr val="lt1"/>
               </a:solidFill>
-              <a:latin typeface="Garamond"/>
-              <a:ea typeface="Garamond"/>
-              <a:cs typeface="Garamond"/>
-              <a:sym typeface="Garamond"/>
+              <a:latin typeface="Calibri"/>
+              <a:ea typeface="Calibri"/>
+              <a:cs typeface="Calibri"/>
+              <a:sym typeface="Calibri"/>
             </a:endParaRPr>
           </a:p>
         </p:txBody>
@@ -25348,10 +25706,20 @@
               <a:buNone/>
             </a:pPr>
             <a:r>
-              <a:rPr lang="en"/>
+              <a:rPr lang="en">
+                <a:latin typeface="Calibri"/>
+                <a:ea typeface="Calibri"/>
+                <a:cs typeface="Calibri"/>
+                <a:sym typeface="Calibri"/>
+              </a:rPr>
               <a:t>Tools That We are Using </a:t>
             </a:r>
-            <a:endParaRPr/>
+            <a:endParaRPr>
+              <a:latin typeface="Calibri"/>
+              <a:ea typeface="Calibri"/>
+              <a:cs typeface="Calibri"/>
+              <a:sym typeface="Calibri"/>
+            </a:endParaRPr>
           </a:p>
         </p:txBody>
       </p:sp>
@@ -25553,18 +25921,23 @@
                 <a:buNone/>
               </a:pPr>
               <a:r>
-                <a:rPr b="0" i="0" lang="en" sz="3000" u="none" cap="none" strike="noStrike">
+                <a:rPr i="0" lang="en" sz="3000" u="none" cap="none" strike="noStrike">
                   <a:solidFill>
                     <a:schemeClr val="lt1"/>
                   </a:solidFill>
-                  <a:latin typeface="Corbel"/>
-                  <a:ea typeface="Corbel"/>
-                  <a:cs typeface="Corbel"/>
-                  <a:sym typeface="Corbel"/>
+                  <a:latin typeface="Calibri"/>
+                  <a:ea typeface="Calibri"/>
+                  <a:cs typeface="Calibri"/>
+                  <a:sym typeface="Calibri"/>
                 </a:rPr>
                 <a:t>TRUFFLE</a:t>
               </a:r>
-              <a:endParaRPr sz="1100"/>
+              <a:endParaRPr sz="1100">
+                <a:latin typeface="Calibri"/>
+                <a:ea typeface="Calibri"/>
+                <a:cs typeface="Calibri"/>
+                <a:sym typeface="Calibri"/>
+              </a:endParaRPr>
             </a:p>
           </p:txBody>
         </p:sp>
@@ -25746,18 +26119,23 @@
                 <a:buNone/>
               </a:pPr>
               <a:r>
-                <a:rPr b="0" i="0" lang="en" sz="3000" u="none" cap="none" strike="noStrike">
+                <a:rPr i="0" lang="en" sz="3000" u="none" cap="none" strike="noStrike">
                   <a:solidFill>
                     <a:schemeClr val="lt1"/>
                   </a:solidFill>
-                  <a:latin typeface="Corbel"/>
-                  <a:ea typeface="Corbel"/>
-                  <a:cs typeface="Corbel"/>
-                  <a:sym typeface="Corbel"/>
+                  <a:latin typeface="Calibri"/>
+                  <a:ea typeface="Calibri"/>
+                  <a:cs typeface="Calibri"/>
+                  <a:sym typeface="Calibri"/>
                 </a:rPr>
                 <a:t>GANACHE</a:t>
               </a:r>
-              <a:endParaRPr sz="1100"/>
+              <a:endParaRPr sz="1100">
+                <a:latin typeface="Calibri"/>
+                <a:ea typeface="Calibri"/>
+                <a:cs typeface="Calibri"/>
+                <a:sym typeface="Calibri"/>
+              </a:endParaRPr>
             </a:p>
           </p:txBody>
         </p:sp>
@@ -25939,25 +26317,25 @@
                 <a:buNone/>
               </a:pPr>
               <a:r>
-                <a:rPr b="0" i="0" lang="en" sz="3000" u="none" cap="none" strike="noStrike">
+                <a:rPr i="0" lang="en" sz="3000" u="none" cap="none" strike="noStrike">
                   <a:solidFill>
                     <a:schemeClr val="lt1"/>
                   </a:solidFill>
-                  <a:latin typeface="Corbel"/>
-                  <a:ea typeface="Corbel"/>
-                  <a:cs typeface="Corbel"/>
-                  <a:sym typeface="Corbel"/>
+                  <a:latin typeface="Calibri"/>
+                  <a:ea typeface="Calibri"/>
+                  <a:cs typeface="Calibri"/>
+                  <a:sym typeface="Calibri"/>
                 </a:rPr>
                 <a:t>LERNA</a:t>
               </a:r>
-              <a:endParaRPr b="0" i="0" sz="3000" u="none" cap="none" strike="noStrike">
+              <a:endParaRPr i="0" sz="3000" u="none" cap="none" strike="noStrike">
                 <a:solidFill>
                   <a:schemeClr val="lt1"/>
                 </a:solidFill>
-                <a:latin typeface="Corbel"/>
-                <a:ea typeface="Corbel"/>
-                <a:cs typeface="Corbel"/>
-                <a:sym typeface="Corbel"/>
+                <a:latin typeface="Calibri"/>
+                <a:ea typeface="Calibri"/>
+                <a:cs typeface="Calibri"/>
+                <a:sym typeface="Calibri"/>
               </a:endParaRPr>
             </a:p>
           </p:txBody>
@@ -26077,10 +26455,20 @@
               <a:buNone/>
             </a:pPr>
             <a:r>
-              <a:rPr lang="en"/>
+              <a:rPr lang="en">
+                <a:latin typeface="Calibri"/>
+                <a:ea typeface="Calibri"/>
+                <a:cs typeface="Calibri"/>
+                <a:sym typeface="Calibri"/>
+              </a:rPr>
               <a:t>Planning for Remaining Iterations:</a:t>
             </a:r>
-            <a:endParaRPr/>
+            <a:endParaRPr>
+              <a:latin typeface="Calibri"/>
+              <a:ea typeface="Calibri"/>
+              <a:cs typeface="Calibri"/>
+              <a:sym typeface="Calibri"/>
+            </a:endParaRPr>
           </a:p>
         </p:txBody>
       </p:sp>
@@ -26094,7 +26482,7 @@
         </p:nvSpPr>
         <p:spPr>
           <a:xfrm>
-            <a:off x="587625" y="1369225"/>
+            <a:off x="689175" y="1347475"/>
             <a:ext cx="7927800" cy="3263400"/>
           </a:xfrm>
           <a:prstGeom prst="rect">
@@ -26111,7 +26499,7 @@
           </a:bodyPr>
           <a:lstStyle/>
           <a:p>
-            <a:pPr indent="-152400" lvl="0" marL="177800" rtl="0" algn="l">
+            <a:pPr indent="-165100" lvl="0" marL="177800" rtl="0" algn="l">
               <a:lnSpc>
                 <a:spcPct val="200000"/>
               </a:lnSpc>
@@ -26124,17 +26512,28 @@
               <a:buClr>
                 <a:srgbClr val="EDEDED"/>
               </a:buClr>
-              <a:buSzPts val="1800"/>
+              <a:buSzPts val="2000"/>
+              <a:buFont typeface="Calibri"/>
               <a:buChar char="•"/>
             </a:pPr>
             <a:r>
-              <a:rPr lang="en" sz="1800"/>
+              <a:rPr lang="en" sz="2000">
+                <a:latin typeface="Calibri"/>
+                <a:ea typeface="Calibri"/>
+                <a:cs typeface="Calibri"/>
+                <a:sym typeface="Calibri"/>
+              </a:rPr>
               <a:t>Iteration 1 : Reproduce all the issues, explore the packages and find the issue.</a:t>
             </a:r>
-            <a:endParaRPr sz="1800"/>
+            <a:endParaRPr sz="2000">
+              <a:latin typeface="Calibri"/>
+              <a:ea typeface="Calibri"/>
+              <a:cs typeface="Calibri"/>
+              <a:sym typeface="Calibri"/>
+            </a:endParaRPr>
           </a:p>
           <a:p>
-            <a:pPr indent="-152400" lvl="0" marL="177800" rtl="0" algn="l">
+            <a:pPr indent="-165100" lvl="0" marL="177800" rtl="0" algn="l">
               <a:lnSpc>
                 <a:spcPct val="200000"/>
               </a:lnSpc>
@@ -26147,17 +26546,28 @@
               <a:buClr>
                 <a:srgbClr val="EDEDED"/>
               </a:buClr>
-              <a:buSzPts val="1800"/>
+              <a:buSzPts val="2000"/>
+              <a:buFont typeface="Calibri"/>
               <a:buChar char="•"/>
             </a:pPr>
             <a:r>
-              <a:rPr lang="en" sz="1800"/>
+              <a:rPr lang="en" sz="2000">
+                <a:latin typeface="Calibri"/>
+                <a:ea typeface="Calibri"/>
+                <a:cs typeface="Calibri"/>
+                <a:sym typeface="Calibri"/>
+              </a:rPr>
               <a:t>Iteration2 : Bootstrap truffle source code and integrate ts-node locally.</a:t>
             </a:r>
-            <a:endParaRPr sz="1800"/>
+            <a:endParaRPr sz="2000">
+              <a:latin typeface="Calibri"/>
+              <a:ea typeface="Calibri"/>
+              <a:cs typeface="Calibri"/>
+              <a:sym typeface="Calibri"/>
+            </a:endParaRPr>
           </a:p>
           <a:p>
-            <a:pPr indent="-152400" lvl="0" marL="177800" rtl="0" algn="l">
+            <a:pPr indent="-165100" lvl="0" marL="177800" rtl="0" algn="l">
               <a:lnSpc>
                 <a:spcPct val="200000"/>
               </a:lnSpc>
@@ -26170,14 +26580,25 @@
               <a:buClr>
                 <a:srgbClr val="EDEDED"/>
               </a:buClr>
-              <a:buSzPts val="1800"/>
+              <a:buSzPts val="2000"/>
+              <a:buFont typeface="Calibri"/>
               <a:buChar char="•"/>
             </a:pPr>
             <a:r>
-              <a:rPr lang="en" sz="1800"/>
+              <a:rPr lang="en" sz="2000">
+                <a:latin typeface="Calibri"/>
+                <a:ea typeface="Calibri"/>
+                <a:cs typeface="Calibri"/>
+                <a:sym typeface="Calibri"/>
+              </a:rPr>
               <a:t>Iteration 3 : Add a Flag to unbox typescript added boxes.</a:t>
             </a:r>
-            <a:endParaRPr sz="1800"/>
+            <a:endParaRPr sz="2000">
+              <a:latin typeface="Calibri"/>
+              <a:ea typeface="Calibri"/>
+              <a:cs typeface="Calibri"/>
+              <a:sym typeface="Calibri"/>
+            </a:endParaRPr>
           </a:p>
         </p:txBody>
       </p:sp>
@@ -26295,10 +26716,20 @@
               <a:buNone/>
             </a:pPr>
             <a:r>
-              <a:rPr lang="en"/>
-              <a:t>Installation Of Truffle.</a:t>
+              <a:rPr lang="en">
+                <a:latin typeface="Calibri"/>
+                <a:ea typeface="Calibri"/>
+                <a:cs typeface="Calibri"/>
+                <a:sym typeface="Calibri"/>
+              </a:rPr>
+              <a:t>Installation Of Truffle</a:t>
             </a:r>
-            <a:endParaRPr/>
+            <a:endParaRPr>
+              <a:latin typeface="Calibri"/>
+              <a:ea typeface="Calibri"/>
+              <a:cs typeface="Calibri"/>
+              <a:sym typeface="Calibri"/>
+            </a:endParaRPr>
           </a:p>
         </p:txBody>
       </p:sp>
@@ -26372,13 +26803,24 @@
                 <a:srgbClr val="EDEDED"/>
               </a:buClr>
               <a:buSzPts val="1700"/>
+              <a:buFont typeface="Calibri"/>
               <a:buChar char="•"/>
             </a:pPr>
             <a:r>
-              <a:rPr lang="en" sz="1700"/>
+              <a:rPr lang="en" sz="1700">
+                <a:latin typeface="Calibri"/>
+                <a:ea typeface="Calibri"/>
+                <a:cs typeface="Calibri"/>
+                <a:sym typeface="Calibri"/>
+              </a:rPr>
               <a:t>We First install the package manager that is NPM and Node.</a:t>
             </a:r>
-            <a:endParaRPr sz="1700"/>
+            <a:endParaRPr sz="1700">
+              <a:latin typeface="Calibri"/>
+              <a:ea typeface="Calibri"/>
+              <a:cs typeface="Calibri"/>
+              <a:sym typeface="Calibri"/>
+            </a:endParaRPr>
           </a:p>
           <a:p>
             <a:pPr indent="-184150" lvl="0" marL="177800" rtl="0" algn="l">
@@ -26395,13 +26837,24 @@
                 <a:srgbClr val="EDEDED"/>
               </a:buClr>
               <a:buSzPts val="1700"/>
+              <a:buFont typeface="Calibri"/>
               <a:buChar char="•"/>
             </a:pPr>
             <a:r>
-              <a:rPr lang="en" sz="1700"/>
+              <a:rPr lang="en" sz="1700">
+                <a:latin typeface="Calibri"/>
+                <a:ea typeface="Calibri"/>
+                <a:cs typeface="Calibri"/>
+                <a:sym typeface="Calibri"/>
+              </a:rPr>
               <a:t>NPM – It is the default package manager for the the JavaScript which is primarly used for node.js projects.</a:t>
             </a:r>
-            <a:endParaRPr sz="1700"/>
+            <a:endParaRPr sz="1700">
+              <a:latin typeface="Calibri"/>
+              <a:ea typeface="Calibri"/>
+              <a:cs typeface="Calibri"/>
+              <a:sym typeface="Calibri"/>
+            </a:endParaRPr>
           </a:p>
           <a:p>
             <a:pPr indent="-184150" lvl="0" marL="177800" rtl="0" algn="l">
@@ -26418,13 +26871,24 @@
                 <a:srgbClr val="EDEDED"/>
               </a:buClr>
               <a:buSzPts val="1700"/>
+              <a:buFont typeface="Calibri"/>
               <a:buChar char="•"/>
             </a:pPr>
             <a:r>
-              <a:rPr lang="en" sz="1700"/>
+              <a:rPr lang="en" sz="1700">
+                <a:latin typeface="Calibri"/>
+                <a:ea typeface="Calibri"/>
+                <a:cs typeface="Calibri"/>
+                <a:sym typeface="Calibri"/>
+              </a:rPr>
               <a:t>The Node and Npm are some of the most powerful tools for allowing developers to build complex projects.</a:t>
             </a:r>
-            <a:endParaRPr sz="1700"/>
+            <a:endParaRPr sz="1700">
+              <a:latin typeface="Calibri"/>
+              <a:ea typeface="Calibri"/>
+              <a:cs typeface="Calibri"/>
+              <a:sym typeface="Calibri"/>
+            </a:endParaRPr>
           </a:p>
           <a:p>
             <a:pPr indent="-184150" lvl="0" marL="177800" rtl="0" algn="l">
@@ -26441,13 +26905,24 @@
                 <a:srgbClr val="EDEDED"/>
               </a:buClr>
               <a:buSzPts val="1700"/>
+              <a:buFont typeface="Calibri"/>
               <a:buChar char="•"/>
             </a:pPr>
             <a:r>
-              <a:rPr lang="en" sz="1700"/>
+              <a:rPr lang="en" sz="1700">
+                <a:latin typeface="Calibri"/>
+                <a:ea typeface="Calibri"/>
+                <a:cs typeface="Calibri"/>
+                <a:sym typeface="Calibri"/>
+              </a:rPr>
               <a:t>Then we install truffle with the command $npm install –g truffle .</a:t>
             </a:r>
-            <a:endParaRPr sz="1700"/>
+            <a:endParaRPr sz="1700">
+              <a:latin typeface="Calibri"/>
+              <a:ea typeface="Calibri"/>
+              <a:cs typeface="Calibri"/>
+              <a:sym typeface="Calibri"/>
+            </a:endParaRPr>
           </a:p>
           <a:p>
             <a:pPr indent="-184150" lvl="0" marL="177800" rtl="0" algn="l">
@@ -26464,10 +26939,16 @@
                 <a:srgbClr val="EDEDED"/>
               </a:buClr>
               <a:buSzPts val="1700"/>
+              <a:buFont typeface="Calibri"/>
               <a:buChar char="•"/>
             </a:pPr>
             <a:r>
-              <a:rPr lang="en" sz="1700"/>
+              <a:rPr lang="en" sz="1700">
+                <a:latin typeface="Calibri"/>
+                <a:ea typeface="Calibri"/>
+                <a:cs typeface="Calibri"/>
+                <a:sym typeface="Calibri"/>
+              </a:rPr>
               <a:t>For this project to fix the issue that is there we are going to use the truffle </a:t>
             </a:r>
             <a:r>
@@ -26475,15 +26956,29 @@
                 <a:solidFill>
                   <a:schemeClr val="hlink"/>
                 </a:solidFill>
+                <a:latin typeface="Calibri"/>
+                <a:ea typeface="Calibri"/>
+                <a:cs typeface="Calibri"/>
+                <a:sym typeface="Calibri"/>
                 <a:hlinkClick r:id="rId4"/>
               </a:rPr>
               <a:t>version@5.5.24</a:t>
             </a:r>
             <a:r>
-              <a:rPr lang="en" sz="1700"/>
+              <a:rPr lang="en" sz="1700">
+                <a:latin typeface="Calibri"/>
+                <a:ea typeface="Calibri"/>
+                <a:cs typeface="Calibri"/>
+                <a:sym typeface="Calibri"/>
+              </a:rPr>
               <a:t> </a:t>
             </a:r>
-            <a:endParaRPr sz="1700"/>
+            <a:endParaRPr sz="1700">
+              <a:latin typeface="Calibri"/>
+              <a:ea typeface="Calibri"/>
+              <a:cs typeface="Calibri"/>
+              <a:sym typeface="Calibri"/>
+            </a:endParaRPr>
           </a:p>
         </p:txBody>
       </p:sp>
@@ -26557,10 +27052,20 @@
               <a:buNone/>
             </a:pPr>
             <a:r>
-              <a:rPr lang="en"/>
+              <a:rPr lang="en">
+                <a:latin typeface="Calibri"/>
+                <a:ea typeface="Calibri"/>
+                <a:cs typeface="Calibri"/>
+                <a:sym typeface="Calibri"/>
+              </a:rPr>
               <a:t>Installing Ganache</a:t>
             </a:r>
-            <a:endParaRPr/>
+            <a:endParaRPr>
+              <a:latin typeface="Calibri"/>
+              <a:ea typeface="Calibri"/>
+              <a:cs typeface="Calibri"/>
+              <a:sym typeface="Calibri"/>
+            </a:endParaRPr>
           </a:p>
         </p:txBody>
       </p:sp>
@@ -26634,13 +27139,24 @@
                 <a:srgbClr val="EDEDED"/>
               </a:buClr>
               <a:buSzPts val="1645"/>
+              <a:buFont typeface="Calibri"/>
               <a:buChar char="•"/>
             </a:pPr>
             <a:r>
-              <a:rPr lang="en" sz="1645"/>
+              <a:rPr lang="en" sz="1645">
+                <a:latin typeface="Calibri"/>
+                <a:ea typeface="Calibri"/>
+                <a:cs typeface="Calibri"/>
+                <a:sym typeface="Calibri"/>
+              </a:rPr>
               <a:t>Ganache is one of the personal blockchain Ethereum development platform which frequently used with the Truffle framework.</a:t>
             </a:r>
-            <a:endParaRPr sz="1645"/>
+            <a:endParaRPr sz="1645">
+              <a:latin typeface="Calibri"/>
+              <a:ea typeface="Calibri"/>
+              <a:cs typeface="Calibri"/>
+              <a:sym typeface="Calibri"/>
+            </a:endParaRPr>
           </a:p>
           <a:p>
             <a:pPr indent="-180657" lvl="0" marL="177800" rtl="0" algn="l">
@@ -26657,13 +27173,24 @@
                 <a:srgbClr val="EDEDED"/>
               </a:buClr>
               <a:buSzPts val="1645"/>
+              <a:buFont typeface="Calibri"/>
               <a:buChar char="•"/>
             </a:pPr>
             <a:r>
-              <a:rPr lang="en" sz="1645"/>
+              <a:rPr lang="en" sz="1645">
+                <a:latin typeface="Calibri"/>
+                <a:ea typeface="Calibri"/>
+                <a:cs typeface="Calibri"/>
+                <a:sym typeface="Calibri"/>
+              </a:rPr>
               <a:t>It simulates different network conditions such as slow transaction which are used to generate custom block chain events for testing purposed.</a:t>
             </a:r>
-            <a:endParaRPr sz="1645"/>
+            <a:endParaRPr sz="1645">
+              <a:latin typeface="Calibri"/>
+              <a:ea typeface="Calibri"/>
+              <a:cs typeface="Calibri"/>
+              <a:sym typeface="Calibri"/>
+            </a:endParaRPr>
           </a:p>
           <a:p>
             <a:pPr indent="-180657" lvl="0" marL="177800" rtl="0" algn="l">
@@ -26680,13 +27207,24 @@
                 <a:srgbClr val="EDEDED"/>
               </a:buClr>
               <a:buSzPts val="1645"/>
+              <a:buFont typeface="Calibri"/>
               <a:buChar char="•"/>
             </a:pPr>
             <a:r>
-              <a:rPr lang="en" sz="1645"/>
+              <a:rPr lang="en" sz="1645">
+                <a:latin typeface="Calibri"/>
+                <a:ea typeface="Calibri"/>
+                <a:cs typeface="Calibri"/>
+                <a:sym typeface="Calibri"/>
+              </a:rPr>
               <a:t>To use the Ganache with the truffle the developer can configure them by running the truffle project on ganache running in their machine.</a:t>
             </a:r>
-            <a:endParaRPr sz="1645"/>
+            <a:endParaRPr sz="1645">
+              <a:latin typeface="Calibri"/>
+              <a:ea typeface="Calibri"/>
+              <a:cs typeface="Calibri"/>
+              <a:sym typeface="Calibri"/>
+            </a:endParaRPr>
           </a:p>
           <a:p>
             <a:pPr indent="-180657" lvl="0" marL="177800" rtl="0" algn="l">
@@ -26703,10 +27241,16 @@
                 <a:srgbClr val="EDEDED"/>
               </a:buClr>
               <a:buSzPts val="1645"/>
+              <a:buFont typeface="Calibri"/>
               <a:buChar char="•"/>
             </a:pPr>
             <a:r>
-              <a:rPr lang="en" sz="1645"/>
+              <a:rPr lang="en" sz="1645">
+                <a:latin typeface="Calibri"/>
+                <a:ea typeface="Calibri"/>
+                <a:cs typeface="Calibri"/>
+                <a:sym typeface="Calibri"/>
+              </a:rPr>
               <a:t>To install Ganache on our machine we can use the command </a:t>
             </a:r>
             <a:r>
@@ -26714,6 +27258,10 @@
                 <a:solidFill>
                   <a:srgbClr val="00FFFF"/>
                 </a:solidFill>
+                <a:latin typeface="Calibri"/>
+                <a:ea typeface="Calibri"/>
+                <a:cs typeface="Calibri"/>
+                <a:sym typeface="Calibri"/>
               </a:rPr>
               <a:t>$</a:t>
             </a:r>
@@ -26722,6 +27270,10 @@
                 <a:solidFill>
                   <a:srgbClr val="FFFF00"/>
                 </a:solidFill>
+                <a:latin typeface="Calibri"/>
+                <a:ea typeface="Calibri"/>
+                <a:cs typeface="Calibri"/>
+                <a:sym typeface="Calibri"/>
               </a:rPr>
               <a:t> npm install –g ganache.</a:t>
             </a:r>
@@ -26729,6 +27281,10 @@
               <a:solidFill>
                 <a:srgbClr val="FFFF00"/>
               </a:solidFill>
+              <a:latin typeface="Calibri"/>
+              <a:ea typeface="Calibri"/>
+              <a:cs typeface="Calibri"/>
+              <a:sym typeface="Calibri"/>
             </a:endParaRPr>
           </a:p>
           <a:p>
@@ -26870,10 +27426,20 @@
               <a:buNone/>
             </a:pPr>
             <a:r>
-              <a:rPr lang="en"/>
+              <a:rPr lang="en">
+                <a:latin typeface="Calibri"/>
+                <a:ea typeface="Calibri"/>
+                <a:cs typeface="Calibri"/>
+                <a:sym typeface="Calibri"/>
+              </a:rPr>
               <a:t>Reproducing The Issue</a:t>
             </a:r>
-            <a:endParaRPr/>
+            <a:endParaRPr>
+              <a:latin typeface="Calibri"/>
+              <a:ea typeface="Calibri"/>
+              <a:cs typeface="Calibri"/>
+              <a:sym typeface="Calibri"/>
+            </a:endParaRPr>
           </a:p>
         </p:txBody>
       </p:sp>
@@ -26915,13 +27481,24 @@
                 <a:spcPts val="0"/>
               </a:spcAft>
               <a:buSzPts val="1645"/>
+              <a:buFont typeface="Calibri"/>
               <a:buChar char="•"/>
             </a:pPr>
             <a:r>
-              <a:rPr lang="en" sz="1645"/>
+              <a:rPr lang="en" sz="1645">
+                <a:latin typeface="Calibri"/>
+                <a:ea typeface="Calibri"/>
+                <a:cs typeface="Calibri"/>
+                <a:sym typeface="Calibri"/>
+              </a:rPr>
               <a:t>I have reproduced the issue by following the steps as mentioned in the issue. </a:t>
             </a:r>
-            <a:endParaRPr sz="1645"/>
+            <a:endParaRPr sz="1645">
+              <a:latin typeface="Calibri"/>
+              <a:ea typeface="Calibri"/>
+              <a:cs typeface="Calibri"/>
+              <a:sym typeface="Calibri"/>
+            </a:endParaRPr>
           </a:p>
           <a:p>
             <a:pPr indent="-180657" lvl="0" marL="177800" rtl="0" algn="l">
@@ -26935,13 +27512,24 @@
                 <a:spcPts val="0"/>
               </a:spcAft>
               <a:buSzPts val="1645"/>
+              <a:buFont typeface="Calibri"/>
               <a:buChar char="•"/>
             </a:pPr>
             <a:r>
-              <a:rPr lang="en" sz="1645"/>
+              <a:rPr lang="en" sz="1645">
+                <a:latin typeface="Calibri"/>
+                <a:ea typeface="Calibri"/>
+                <a:cs typeface="Calibri"/>
+                <a:sym typeface="Calibri"/>
+              </a:rPr>
               <a:t>With the truffle installed, unbox any templates. we unboxed Metacoin by running: [3]</a:t>
             </a:r>
-            <a:endParaRPr sz="1645"/>
+            <a:endParaRPr sz="1645">
+              <a:latin typeface="Calibri"/>
+              <a:ea typeface="Calibri"/>
+              <a:cs typeface="Calibri"/>
+              <a:sym typeface="Calibri"/>
+            </a:endParaRPr>
           </a:p>
           <a:p>
             <a:pPr indent="-180657" lvl="0" marL="177800" rtl="0" algn="l">
@@ -26955,6 +27543,7 @@
                 <a:spcPts val="0"/>
               </a:spcAft>
               <a:buSzPts val="1645"/>
+              <a:buFont typeface="Calibri"/>
               <a:buChar char="•"/>
             </a:pPr>
             <a:r>
@@ -26962,6 +27551,10 @@
                 <a:solidFill>
                   <a:srgbClr val="00FFFF"/>
                 </a:solidFill>
+                <a:latin typeface="Calibri"/>
+                <a:ea typeface="Calibri"/>
+                <a:cs typeface="Calibri"/>
+                <a:sym typeface="Calibri"/>
               </a:rPr>
               <a:t>$ </a:t>
             </a:r>
@@ -26970,6 +27563,10 @@
                 <a:solidFill>
                   <a:srgbClr val="FFFF00"/>
                 </a:solidFill>
+                <a:latin typeface="Calibri"/>
+                <a:ea typeface="Calibri"/>
+                <a:cs typeface="Calibri"/>
+                <a:sym typeface="Calibri"/>
               </a:rPr>
               <a:t>truffle unbox MetaCoin MetaCoin</a:t>
             </a:r>
@@ -26977,6 +27574,10 @@
               <a:solidFill>
                 <a:srgbClr val="FFFF00"/>
               </a:solidFill>
+              <a:latin typeface="Calibri"/>
+              <a:ea typeface="Calibri"/>
+              <a:cs typeface="Calibri"/>
+              <a:sym typeface="Calibri"/>
             </a:endParaRPr>
           </a:p>
           <a:p>
@@ -26991,13 +27592,24 @@
                 <a:spcPts val="0"/>
               </a:spcAft>
               <a:buSzPts val="1645"/>
+              <a:buFont typeface="Calibri"/>
               <a:buChar char="•"/>
             </a:pPr>
             <a:r>
-              <a:rPr lang="en" sz="1645"/>
+              <a:rPr lang="en" sz="1645">
+                <a:latin typeface="Calibri"/>
+                <a:ea typeface="Calibri"/>
+                <a:cs typeface="Calibri"/>
+                <a:sym typeface="Calibri"/>
+              </a:rPr>
               <a:t>Change the working directory to MetaCoin and run the below commands to add typescript modules: [4]</a:t>
             </a:r>
-            <a:endParaRPr sz="1645"/>
+            <a:endParaRPr sz="1645">
+              <a:latin typeface="Calibri"/>
+              <a:ea typeface="Calibri"/>
+              <a:cs typeface="Calibri"/>
+              <a:sym typeface="Calibri"/>
+            </a:endParaRPr>
           </a:p>
           <a:p>
             <a:pPr indent="-193357" lvl="0" marL="177800" rtl="0" algn="l">
@@ -27011,6 +27623,7 @@
                 <a:spcPts val="0"/>
               </a:spcAft>
               <a:buSzPts val="1645"/>
+              <a:buFont typeface="Calibri"/>
               <a:buChar char="•"/>
             </a:pPr>
             <a:r>
@@ -27018,6 +27631,10 @@
                 <a:solidFill>
                   <a:srgbClr val="00FFFF"/>
                 </a:solidFill>
+                <a:latin typeface="Calibri"/>
+                <a:ea typeface="Calibri"/>
+                <a:cs typeface="Calibri"/>
+                <a:sym typeface="Calibri"/>
               </a:rPr>
               <a:t>$</a:t>
             </a:r>
@@ -27026,6 +27643,10 @@
                 <a:solidFill>
                   <a:srgbClr val="00FFFF"/>
                 </a:solidFill>
+                <a:latin typeface="Calibri"/>
+                <a:ea typeface="Calibri"/>
+                <a:cs typeface="Calibri"/>
+                <a:sym typeface="Calibri"/>
               </a:rPr>
               <a:t> </a:t>
             </a:r>
@@ -27034,6 +27655,10 @@
                 <a:solidFill>
                   <a:srgbClr val="FFFF00"/>
                 </a:solidFill>
+                <a:latin typeface="Calibri"/>
+                <a:ea typeface="Calibri"/>
+                <a:cs typeface="Calibri"/>
+                <a:sym typeface="Calibri"/>
               </a:rPr>
               <a:t>npm i -D typescript</a:t>
             </a:r>
@@ -27041,6 +27666,10 @@
               <a:solidFill>
                 <a:srgbClr val="FFFF00"/>
               </a:solidFill>
+              <a:latin typeface="Calibri"/>
+              <a:ea typeface="Calibri"/>
+              <a:cs typeface="Calibri"/>
+              <a:sym typeface="Calibri"/>
             </a:endParaRPr>
           </a:p>
           <a:p>
@@ -27055,6 +27684,7 @@
                 <a:spcPts val="0"/>
               </a:spcAft>
               <a:buSzPts val="1645"/>
+              <a:buFont typeface="Calibri"/>
               <a:buChar char="•"/>
             </a:pPr>
             <a:r>
@@ -27062,6 +27692,10 @@
                 <a:solidFill>
                   <a:srgbClr val="00FFFF"/>
                 </a:solidFill>
+                <a:latin typeface="Calibri"/>
+                <a:ea typeface="Calibri"/>
+                <a:cs typeface="Calibri"/>
+                <a:sym typeface="Calibri"/>
               </a:rPr>
               <a:t>$ </a:t>
             </a:r>
@@ -27070,6 +27704,10 @@
                 <a:solidFill>
                   <a:srgbClr val="FFFF00"/>
                 </a:solidFill>
+                <a:latin typeface="Calibri"/>
+                <a:ea typeface="Calibri"/>
+                <a:cs typeface="Calibri"/>
+                <a:sym typeface="Calibri"/>
               </a:rPr>
               <a:t>npm i -D ts-node</a:t>
             </a:r>
@@ -27077,6 +27715,10 @@
               <a:solidFill>
                 <a:srgbClr val="FFFF00"/>
               </a:solidFill>
+              <a:latin typeface="Calibri"/>
+              <a:ea typeface="Calibri"/>
+              <a:cs typeface="Calibri"/>
+              <a:sym typeface="Calibri"/>
             </a:endParaRPr>
           </a:p>
           <a:p>
@@ -27250,8 +27892,8 @@
         </p:nvSpPr>
         <p:spPr>
           <a:xfrm>
-            <a:off x="628641" y="212619"/>
-            <a:ext cx="7886700" cy="994200"/>
+            <a:off x="529575" y="212625"/>
+            <a:ext cx="7985700" cy="994200"/>
           </a:xfrm>
           <a:prstGeom prst="rect">
             <a:avLst/>
@@ -27282,10 +27924,20 @@
               <a:buNone/>
             </a:pPr>
             <a:r>
-              <a:rPr lang="en"/>
+              <a:rPr lang="en">
+                <a:latin typeface="Calibri"/>
+                <a:ea typeface="Calibri"/>
+                <a:cs typeface="Calibri"/>
+                <a:sym typeface="Calibri"/>
+              </a:rPr>
               <a:t>Reproducing The Issue( Cont..)</a:t>
             </a:r>
-            <a:endParaRPr/>
+            <a:endParaRPr>
+              <a:latin typeface="Calibri"/>
+              <a:ea typeface="Calibri"/>
+              <a:cs typeface="Calibri"/>
+              <a:sym typeface="Calibri"/>
+            </a:endParaRPr>
           </a:p>
         </p:txBody>
       </p:sp>
@@ -27327,13 +27979,24 @@
                 <a:spcPts val="0"/>
               </a:spcAft>
               <a:buSzPts val="1645"/>
+              <a:buFont typeface="Calibri"/>
               <a:buChar char="•"/>
             </a:pPr>
             <a:r>
-              <a:rPr lang="en" sz="1645"/>
+              <a:rPr lang="en" sz="1645">
+                <a:latin typeface="Calibri"/>
+                <a:ea typeface="Calibri"/>
+                <a:cs typeface="Calibri"/>
+                <a:sym typeface="Calibri"/>
+              </a:rPr>
               <a:t>Configure truffle-config.js to connect to my local node by running the below command in a separate terminal: [5]</a:t>
             </a:r>
-            <a:endParaRPr sz="1645"/>
+            <a:endParaRPr sz="1645">
+              <a:latin typeface="Calibri"/>
+              <a:ea typeface="Calibri"/>
+              <a:cs typeface="Calibri"/>
+              <a:sym typeface="Calibri"/>
+            </a:endParaRPr>
           </a:p>
           <a:p>
             <a:pPr indent="-333057" lvl="0" marL="457200" rtl="0" algn="l">
@@ -27347,13 +28010,24 @@
                 <a:spcPts val="0"/>
               </a:spcAft>
               <a:buSzPts val="1645"/>
+              <a:buFont typeface="Calibri"/>
               <a:buChar char="•"/>
             </a:pPr>
             <a:r>
-              <a:rPr lang="en" sz="1645"/>
+              <a:rPr lang="en" sz="1645">
+                <a:latin typeface="Calibri"/>
+                <a:ea typeface="Calibri"/>
+                <a:cs typeface="Calibri"/>
+                <a:sym typeface="Calibri"/>
+              </a:rPr>
               <a:t>$ ganache</a:t>
             </a:r>
-            <a:endParaRPr sz="1645"/>
+            <a:endParaRPr sz="1645">
+              <a:latin typeface="Calibri"/>
+              <a:ea typeface="Calibri"/>
+              <a:cs typeface="Calibri"/>
+              <a:sym typeface="Calibri"/>
+            </a:endParaRPr>
           </a:p>
           <a:p>
             <a:pPr indent="-333057" lvl="0" marL="457200" rtl="0" algn="l">
@@ -27367,13 +28041,24 @@
                 <a:spcPts val="0"/>
               </a:spcAft>
               <a:buSzPts val="1645"/>
+              <a:buFont typeface="Calibri"/>
               <a:buChar char="•"/>
             </a:pPr>
             <a:r>
-              <a:rPr lang="en" sz="1645"/>
+              <a:rPr lang="en" sz="1645">
+                <a:latin typeface="Calibri"/>
+                <a:ea typeface="Calibri"/>
+                <a:cs typeface="Calibri"/>
+                <a:sym typeface="Calibri"/>
+              </a:rPr>
               <a:t>Rename 1_deploy_contracts.js to 1_deploy_contracts.ts and run:</a:t>
             </a:r>
-            <a:endParaRPr sz="1645"/>
+            <a:endParaRPr sz="1645">
+              <a:latin typeface="Calibri"/>
+              <a:ea typeface="Calibri"/>
+              <a:cs typeface="Calibri"/>
+              <a:sym typeface="Calibri"/>
+            </a:endParaRPr>
           </a:p>
           <a:p>
             <a:pPr indent="-333057" lvl="0" marL="457200" rtl="0" algn="l">
@@ -27387,13 +28072,24 @@
                 <a:spcPts val="0"/>
               </a:spcAft>
               <a:buSzPts val="1645"/>
+              <a:buFont typeface="Calibri"/>
               <a:buChar char="•"/>
             </a:pPr>
             <a:r>
-              <a:rPr lang="en" sz="1645"/>
+              <a:rPr lang="en" sz="1645">
+                <a:latin typeface="Calibri"/>
+                <a:ea typeface="Calibri"/>
+                <a:cs typeface="Calibri"/>
+                <a:sym typeface="Calibri"/>
+              </a:rPr>
               <a:t>$ truffle migrate --reset</a:t>
             </a:r>
-            <a:endParaRPr sz="1645"/>
+            <a:endParaRPr sz="1645">
+              <a:latin typeface="Calibri"/>
+              <a:ea typeface="Calibri"/>
+              <a:cs typeface="Calibri"/>
+              <a:sym typeface="Calibri"/>
+            </a:endParaRPr>
           </a:p>
           <a:p>
             <a:pPr indent="0" lvl="0" marL="177800" rtl="0" algn="l">
@@ -27617,10 +28313,20 @@
               <a:buNone/>
             </a:pPr>
             <a:r>
-              <a:rPr lang="en"/>
+              <a:rPr lang="en">
+                <a:latin typeface="Calibri"/>
+                <a:ea typeface="Calibri"/>
+                <a:cs typeface="Calibri"/>
+                <a:sym typeface="Calibri"/>
+              </a:rPr>
               <a:t>Finding The Issue</a:t>
             </a:r>
-            <a:endParaRPr/>
+            <a:endParaRPr>
+              <a:latin typeface="Calibri"/>
+              <a:ea typeface="Calibri"/>
+              <a:cs typeface="Calibri"/>
+              <a:sym typeface="Calibri"/>
+            </a:endParaRPr>
           </a:p>
         </p:txBody>
       </p:sp>
@@ -27651,7 +28357,7 @@
           </a:bodyPr>
           <a:lstStyle/>
           <a:p>
-            <a:pPr indent="-180657" lvl="0" marL="177800" rtl="0" algn="l">
+            <a:pPr indent="-212407" lvl="0" marL="177800" rtl="0" algn="l">
               <a:lnSpc>
                 <a:spcPct val="95000"/>
               </a:lnSpc>
@@ -27661,17 +28367,28 @@
               <a:spcAft>
                 <a:spcPts val="0"/>
               </a:spcAft>
-              <a:buSzPts val="1645"/>
+              <a:buSzPts val="2145"/>
+              <a:buFont typeface="Calibri"/>
               <a:buChar char="•"/>
             </a:pPr>
             <a:r>
-              <a:rPr lang="en" sz="1645"/>
+              <a:rPr lang="en" sz="2145">
+                <a:latin typeface="Calibri"/>
+                <a:ea typeface="Calibri"/>
+                <a:cs typeface="Calibri"/>
+                <a:sym typeface="Calibri"/>
+              </a:rPr>
               <a:t>@truffle/require is responsible for importing modules</a:t>
             </a:r>
-            <a:endParaRPr sz="1645"/>
+            <a:endParaRPr sz="2145">
+              <a:latin typeface="Calibri"/>
+              <a:ea typeface="Calibri"/>
+              <a:cs typeface="Calibri"/>
+              <a:sym typeface="Calibri"/>
+            </a:endParaRPr>
           </a:p>
           <a:p>
-            <a:pPr indent="-180657" lvl="0" marL="177800" rtl="0" algn="l">
+            <a:pPr indent="-212407" lvl="0" marL="177800" rtl="0" algn="l">
               <a:lnSpc>
                 <a:spcPct val="95000"/>
               </a:lnSpc>
@@ -27681,22 +28398,42 @@
               <a:spcAft>
                 <a:spcPts val="0"/>
               </a:spcAft>
-              <a:buSzPts val="1645"/>
+              <a:buSzPts val="2145"/>
               <a:buChar char="•"/>
             </a:pPr>
             <a:r>
-              <a:rPr lang="en" sz="1645"/>
+              <a:rPr lang="en" sz="2145">
+                <a:latin typeface="Calibri"/>
+                <a:ea typeface="Calibri"/>
+                <a:cs typeface="Calibri"/>
+                <a:sym typeface="Calibri"/>
+              </a:rPr>
               <a:t>its supported typescript in default but fails to do so when the project couldn’t check for its (ts-node) </a:t>
             </a:r>
             <a:r>
-              <a:rPr b="1" lang="en" sz="1645"/>
+              <a:rPr b="1" lang="en" sz="2145">
+                <a:latin typeface="Calibri"/>
+                <a:ea typeface="Calibri"/>
+                <a:cs typeface="Calibri"/>
+                <a:sym typeface="Calibri"/>
+              </a:rPr>
               <a:t>peer dependencies</a:t>
             </a:r>
             <a:r>
-              <a:rPr lang="en" sz="1645"/>
+              <a:rPr lang="en" sz="2145">
+                <a:latin typeface="Calibri"/>
+                <a:ea typeface="Calibri"/>
+                <a:cs typeface="Calibri"/>
+                <a:sym typeface="Calibri"/>
+              </a:rPr>
               <a:t>.</a:t>
             </a:r>
-            <a:endParaRPr sz="1645"/>
+            <a:endParaRPr sz="2145">
+              <a:latin typeface="Calibri"/>
+              <a:ea typeface="Calibri"/>
+              <a:cs typeface="Calibri"/>
+              <a:sym typeface="Calibri"/>
+            </a:endParaRPr>
           </a:p>
           <a:p>
             <a:pPr indent="0" lvl="0" marL="177800" rtl="0" algn="l">
@@ -27839,9 +28576,9 @@
 </file>
 
 <file path=ppt/theme/theme1.xml><?xml version="1.0" encoding="utf-8"?>
-<a:theme xmlns:a="http://schemas.openxmlformats.org/drawingml/2006/main" xmlns:r="http://schemas.openxmlformats.org/officeDocument/2006/relationships" name="Depth">
+<a:theme xmlns:a="http://schemas.openxmlformats.org/drawingml/2006/main" xmlns:r="http://schemas.openxmlformats.org/officeDocument/2006/relationships">
   <a:themeElements>
-    <a:clrScheme name="Depth">
+    <a:clrScheme name="Default">
       <a:dk1>
         <a:srgbClr val="000000"/>
       </a:dk1>
@@ -27849,34 +28586,34 @@
         <a:srgbClr val="FFFFFF"/>
       </a:lt1>
       <a:dk2>
-        <a:srgbClr val="455F51"/>
+        <a:srgbClr val="158158"/>
       </a:dk2>
       <a:lt2>
-        <a:srgbClr val="94D7E4"/>
+        <a:srgbClr val="F3F3F3"/>
       </a:lt2>
       <a:accent1>
-        <a:srgbClr val="41AEBD"/>
+        <a:srgbClr val="058DC7"/>
       </a:accent1>
       <a:accent2>
-        <a:srgbClr val="97E9D5"/>
+        <a:srgbClr val="50B432"/>
       </a:accent2>
       <a:accent3>
-        <a:srgbClr val="A2CF49"/>
+        <a:srgbClr val="ED561B"/>
       </a:accent3>
       <a:accent4>
-        <a:srgbClr val="608F3D"/>
+        <a:srgbClr val="EDEF00"/>
       </a:accent4>
       <a:accent5>
-        <a:srgbClr val="F4DE3A"/>
+        <a:srgbClr val="24CBE5"/>
       </a:accent5>
       <a:accent6>
-        <a:srgbClr val="FCB11C"/>
+        <a:srgbClr val="64E572"/>
       </a:accent6>
       <a:hlink>
-        <a:srgbClr val="FBCA98"/>
+        <a:srgbClr val="2200CC"/>
       </a:hlink>
       <a:folHlink>
-        <a:srgbClr val="D3B86D"/>
+        <a:srgbClr val="551A8B"/>
       </a:folHlink>
     </a:clrScheme>
     <a:fontScheme name="Office">
@@ -28397,9 +29134,9 @@
 </file>
 
 <file path=ppt/theme/theme3.xml><?xml version="1.0" encoding="utf-8"?>
-<a:theme xmlns:a="http://schemas.openxmlformats.org/drawingml/2006/main" xmlns:r="http://schemas.openxmlformats.org/officeDocument/2006/relationships">
+<a:theme xmlns:a="http://schemas.openxmlformats.org/drawingml/2006/main" xmlns:r="http://schemas.openxmlformats.org/officeDocument/2006/relationships" name="Depth">
   <a:themeElements>
-    <a:clrScheme name="Default">
+    <a:clrScheme name="Depth">
       <a:dk1>
         <a:srgbClr val="000000"/>
       </a:dk1>
@@ -28407,34 +29144,34 @@
         <a:srgbClr val="FFFFFF"/>
       </a:lt1>
       <a:dk2>
-        <a:srgbClr val="158158"/>
+        <a:srgbClr val="455F51"/>
       </a:dk2>
       <a:lt2>
-        <a:srgbClr val="F3F3F3"/>
+        <a:srgbClr val="94D7E4"/>
       </a:lt2>
       <a:accent1>
-        <a:srgbClr val="058DC7"/>
+        <a:srgbClr val="41AEBD"/>
       </a:accent1>
       <a:accent2>
-        <a:srgbClr val="50B432"/>
+        <a:srgbClr val="97E9D5"/>
       </a:accent2>
       <a:accent3>
-        <a:srgbClr val="ED561B"/>
+        <a:srgbClr val="A2CF49"/>
       </a:accent3>
       <a:accent4>
-        <a:srgbClr val="EDEF00"/>
+        <a:srgbClr val="608F3D"/>
       </a:accent4>
       <a:accent5>
-        <a:srgbClr val="24CBE5"/>
+        <a:srgbClr val="F4DE3A"/>
       </a:accent5>
       <a:accent6>
-        <a:srgbClr val="64E572"/>
+        <a:srgbClr val="FCB11C"/>
       </a:accent6>
       <a:hlink>
-        <a:srgbClr val="2200CC"/>
+        <a:srgbClr val="FBCA98"/>
       </a:hlink>
       <a:folHlink>
-        <a:srgbClr val="551A8B"/>
+        <a:srgbClr val="D3B86D"/>
       </a:folHlink>
     </a:clrScheme>
     <a:fontScheme name="Office">
